--- a/slides/Tag-3_3-Container-Registry_Light.pptx
+++ b/slides/Tag-3_3-Container-Registry_Light.pptx
@@ -5124,7 +5124,7 @@
 </file>
 
 <file path=ppt/slides/slide12.xml><?xml version="1.0" encoding="utf-8"?>
-<p:sld xmlns:a="http://schemas.openxmlformats.org/drawingml/2006/main" xmlns:r="http://schemas.openxmlformats.org/officeDocument/2006/relationships" xmlns:p="http://schemas.openxmlformats.org/presentationml/2006/main" show="0">
+<p:sld xmlns:a="http://schemas.openxmlformats.org/drawingml/2006/main" xmlns:r="http://schemas.openxmlformats.org/officeDocument/2006/relationships" xmlns:p="http://schemas.openxmlformats.org/presentationml/2006/main">
   <p:cSld>
     <p:spTree>
       <p:nvGrpSpPr>
@@ -5274,7 +5274,7 @@
 </file>
 
 <file path=ppt/slides/slide13.xml><?xml version="1.0" encoding="utf-8"?>
-<p:sld xmlns:a="http://schemas.openxmlformats.org/drawingml/2006/main" xmlns:r="http://schemas.openxmlformats.org/officeDocument/2006/relationships" xmlns:p="http://schemas.openxmlformats.org/presentationml/2006/main" show="0">
+<p:sld xmlns:a="http://schemas.openxmlformats.org/drawingml/2006/main" xmlns:r="http://schemas.openxmlformats.org/officeDocument/2006/relationships" xmlns:p="http://schemas.openxmlformats.org/presentationml/2006/main">
   <p:cSld>
     <p:spTree>
       <p:nvGrpSpPr>
@@ -5479,7 +5479,7 @@
 </file>
 
 <file path=ppt/slides/slide14.xml><?xml version="1.0" encoding="utf-8"?>
-<p:sld xmlns:a="http://schemas.openxmlformats.org/drawingml/2006/main" xmlns:r="http://schemas.openxmlformats.org/officeDocument/2006/relationships" xmlns:p="http://schemas.openxmlformats.org/presentationml/2006/main" show="0">
+<p:sld xmlns:a="http://schemas.openxmlformats.org/drawingml/2006/main" xmlns:r="http://schemas.openxmlformats.org/officeDocument/2006/relationships" xmlns:p="http://schemas.openxmlformats.org/presentationml/2006/main">
   <p:cSld>
     <p:spTree>
       <p:nvGrpSpPr>
@@ -5572,7 +5572,7 @@
 </file>
 
 <file path=ppt/slides/slide15.xml><?xml version="1.0" encoding="utf-8"?>
-<p:sld xmlns:a="http://schemas.openxmlformats.org/drawingml/2006/main" xmlns:r="http://schemas.openxmlformats.org/officeDocument/2006/relationships" xmlns:p="http://schemas.openxmlformats.org/presentationml/2006/main" show="0">
+<p:sld xmlns:a="http://schemas.openxmlformats.org/drawingml/2006/main" xmlns:r="http://schemas.openxmlformats.org/officeDocument/2006/relationships" xmlns:p="http://schemas.openxmlformats.org/presentationml/2006/main">
   <p:cSld>
     <p:spTree>
       <p:nvGrpSpPr>
@@ -5850,7 +5850,7 @@
 </file>
 
 <file path=ppt/slides/slide16.xml><?xml version="1.0" encoding="utf-8"?>
-<p:sld xmlns:a="http://schemas.openxmlformats.org/drawingml/2006/main" xmlns:r="http://schemas.openxmlformats.org/officeDocument/2006/relationships" xmlns:p="http://schemas.openxmlformats.org/presentationml/2006/main" show="0">
+<p:sld xmlns:a="http://schemas.openxmlformats.org/drawingml/2006/main" xmlns:r="http://schemas.openxmlformats.org/officeDocument/2006/relationships" xmlns:p="http://schemas.openxmlformats.org/presentationml/2006/main">
   <p:cSld>
     <p:spTree>
       <p:nvGrpSpPr>
@@ -6854,7 +6854,7 @@
 </file>
 
 <file path=ppt/slides/slide17.xml><?xml version="1.0" encoding="utf-8"?>
-<p:sld xmlns:a="http://schemas.openxmlformats.org/drawingml/2006/main" xmlns:r="http://schemas.openxmlformats.org/officeDocument/2006/relationships" xmlns:p="http://schemas.openxmlformats.org/presentationml/2006/main" show="0">
+<p:sld xmlns:a="http://schemas.openxmlformats.org/drawingml/2006/main" xmlns:r="http://schemas.openxmlformats.org/officeDocument/2006/relationships" xmlns:p="http://schemas.openxmlformats.org/presentationml/2006/main">
   <p:cSld>
     <p:spTree>
       <p:nvGrpSpPr>
@@ -7749,7 +7749,7 @@
 </file>
 
 <file path=ppt/slides/slide20.xml><?xml version="1.0" encoding="utf-8"?>
-<p:sld xmlns:a="http://schemas.openxmlformats.org/drawingml/2006/main" xmlns:r="http://schemas.openxmlformats.org/officeDocument/2006/relationships" xmlns:p="http://schemas.openxmlformats.org/presentationml/2006/main" show="0">
+<p:sld xmlns:a="http://schemas.openxmlformats.org/drawingml/2006/main" xmlns:r="http://schemas.openxmlformats.org/officeDocument/2006/relationships" xmlns:p="http://schemas.openxmlformats.org/presentationml/2006/main">
   <p:cSld>
     <p:spTree>
       <p:nvGrpSpPr>
@@ -7899,7 +7899,7 @@
 </file>
 
 <file path=ppt/slides/slide21.xml><?xml version="1.0" encoding="utf-8"?>
-<p:sld xmlns:a="http://schemas.openxmlformats.org/drawingml/2006/main" xmlns:r="http://schemas.openxmlformats.org/officeDocument/2006/relationships" xmlns:p="http://schemas.openxmlformats.org/presentationml/2006/main" show="0">
+<p:sld xmlns:a="http://schemas.openxmlformats.org/drawingml/2006/main" xmlns:r="http://schemas.openxmlformats.org/officeDocument/2006/relationships" xmlns:p="http://schemas.openxmlformats.org/presentationml/2006/main">
   <p:cSld>
     <p:spTree>
       <p:nvGrpSpPr>
@@ -8078,7 +8078,7 @@
 </file>
 
 <file path=ppt/slides/slide22.xml><?xml version="1.0" encoding="utf-8"?>
-<p:sld xmlns:a="http://schemas.openxmlformats.org/drawingml/2006/main" xmlns:r="http://schemas.openxmlformats.org/officeDocument/2006/relationships" xmlns:p="http://schemas.openxmlformats.org/presentationml/2006/main" show="0">
+<p:sld xmlns:a="http://schemas.openxmlformats.org/drawingml/2006/main" xmlns:r="http://schemas.openxmlformats.org/officeDocument/2006/relationships" xmlns:p="http://schemas.openxmlformats.org/presentationml/2006/main">
   <p:cSld>
     <p:spTree>
       <p:nvGrpSpPr>
@@ -8171,7 +8171,7 @@
 </file>
 
 <file path=ppt/slides/slide23.xml><?xml version="1.0" encoding="utf-8"?>
-<p:sld xmlns:a="http://schemas.openxmlformats.org/drawingml/2006/main" xmlns:r="http://schemas.openxmlformats.org/officeDocument/2006/relationships" xmlns:p="http://schemas.openxmlformats.org/presentationml/2006/main" show="0">
+<p:sld xmlns:a="http://schemas.openxmlformats.org/drawingml/2006/main" xmlns:r="http://schemas.openxmlformats.org/officeDocument/2006/relationships" xmlns:p="http://schemas.openxmlformats.org/presentationml/2006/main">
   <p:cSld>
     <p:spTree>
       <p:nvGrpSpPr>
@@ -8264,7 +8264,7 @@
 </file>
 
 <file path=ppt/slides/slide24.xml><?xml version="1.0" encoding="utf-8"?>
-<p:sld xmlns:a="http://schemas.openxmlformats.org/drawingml/2006/main" xmlns:r="http://schemas.openxmlformats.org/officeDocument/2006/relationships" xmlns:p="http://schemas.openxmlformats.org/presentationml/2006/main" show="0">
+<p:sld xmlns:a="http://schemas.openxmlformats.org/drawingml/2006/main" xmlns:r="http://schemas.openxmlformats.org/officeDocument/2006/relationships" xmlns:p="http://schemas.openxmlformats.org/presentationml/2006/main">
   <p:cSld>
     <p:spTree>
       <p:nvGrpSpPr>
@@ -8414,7 +8414,7 @@
 </file>
 
 <file path=ppt/slides/slide25.xml><?xml version="1.0" encoding="utf-8"?>
-<p:sld xmlns:a="http://schemas.openxmlformats.org/drawingml/2006/main" xmlns:r="http://schemas.openxmlformats.org/officeDocument/2006/relationships" xmlns:p="http://schemas.openxmlformats.org/presentationml/2006/main" show="0">
+<p:sld xmlns:a="http://schemas.openxmlformats.org/drawingml/2006/main" xmlns:r="http://schemas.openxmlformats.org/officeDocument/2006/relationships" xmlns:p="http://schemas.openxmlformats.org/presentationml/2006/main">
   <p:cSld>
     <p:spTree>
       <p:nvGrpSpPr>
@@ -8771,7 +8771,7 @@
 </file>
 
 <file path=ppt/slides/slide26.xml><?xml version="1.0" encoding="utf-8"?>
-<p:sld xmlns:a="http://schemas.openxmlformats.org/drawingml/2006/main" xmlns:r="http://schemas.openxmlformats.org/officeDocument/2006/relationships" xmlns:p="http://schemas.openxmlformats.org/presentationml/2006/main" show="0">
+<p:sld xmlns:a="http://schemas.openxmlformats.org/drawingml/2006/main" xmlns:r="http://schemas.openxmlformats.org/officeDocument/2006/relationships" xmlns:p="http://schemas.openxmlformats.org/presentationml/2006/main">
   <p:cSld>
     <p:spTree>
       <p:nvGrpSpPr>
@@ -9190,7 +9190,7 @@
 </file>
 
 <file path=ppt/slides/slide28.xml><?xml version="1.0" encoding="utf-8"?>
-<p:sld xmlns:a="http://schemas.openxmlformats.org/drawingml/2006/main" xmlns:r="http://schemas.openxmlformats.org/officeDocument/2006/relationships" xmlns:p="http://schemas.openxmlformats.org/presentationml/2006/main" show="0">
+<p:sld xmlns:a="http://schemas.openxmlformats.org/drawingml/2006/main" xmlns:r="http://schemas.openxmlformats.org/officeDocument/2006/relationships" xmlns:p="http://schemas.openxmlformats.org/presentationml/2006/main">
   <p:cSld>
     <p:spTree>
       <p:nvGrpSpPr>
@@ -9945,7 +9945,7 @@
 </file>
 
 <file path=ppt/slides/slide30.xml><?xml version="1.0" encoding="utf-8"?>
-<p:sld xmlns:a="http://schemas.openxmlformats.org/drawingml/2006/main" xmlns:r="http://schemas.openxmlformats.org/officeDocument/2006/relationships" xmlns:p="http://schemas.openxmlformats.org/presentationml/2006/main" show="0">
+<p:sld xmlns:a="http://schemas.openxmlformats.org/drawingml/2006/main" xmlns:r="http://schemas.openxmlformats.org/officeDocument/2006/relationships" xmlns:p="http://schemas.openxmlformats.org/presentationml/2006/main">
   <p:cSld>
     <p:spTree>
       <p:nvGrpSpPr>
@@ -10095,7 +10095,7 @@
 </file>
 
 <file path=ppt/slides/slide31.xml><?xml version="1.0" encoding="utf-8"?>
-<p:sld xmlns:a="http://schemas.openxmlformats.org/drawingml/2006/main" xmlns:r="http://schemas.openxmlformats.org/officeDocument/2006/relationships" xmlns:p="http://schemas.openxmlformats.org/presentationml/2006/main" show="0">
+<p:sld xmlns:a="http://schemas.openxmlformats.org/drawingml/2006/main" xmlns:r="http://schemas.openxmlformats.org/officeDocument/2006/relationships" xmlns:p="http://schemas.openxmlformats.org/presentationml/2006/main">
   <p:cSld>
     <p:spTree>
       <p:nvGrpSpPr>
@@ -10349,7 +10349,7 @@
 </file>
 
 <file path=ppt/slides/slide32.xml><?xml version="1.0" encoding="utf-8"?>
-<p:sld xmlns:a="http://schemas.openxmlformats.org/drawingml/2006/main" xmlns:r="http://schemas.openxmlformats.org/officeDocument/2006/relationships" xmlns:p="http://schemas.openxmlformats.org/presentationml/2006/main" show="0">
+<p:sld xmlns:a="http://schemas.openxmlformats.org/drawingml/2006/main" xmlns:r="http://schemas.openxmlformats.org/officeDocument/2006/relationships" xmlns:p="http://schemas.openxmlformats.org/presentationml/2006/main">
   <p:cSld>
     <p:spTree>
       <p:nvGrpSpPr>
@@ -10499,7 +10499,7 @@
 </file>
 
 <file path=ppt/slides/slide33.xml><?xml version="1.0" encoding="utf-8"?>
-<p:sld xmlns:a="http://schemas.openxmlformats.org/drawingml/2006/main" xmlns:r="http://schemas.openxmlformats.org/officeDocument/2006/relationships" xmlns:p="http://schemas.openxmlformats.org/presentationml/2006/main" show="0">
+<p:sld xmlns:a="http://schemas.openxmlformats.org/drawingml/2006/main" xmlns:r="http://schemas.openxmlformats.org/officeDocument/2006/relationships" xmlns:p="http://schemas.openxmlformats.org/presentationml/2006/main">
   <p:cSld>
     <p:spTree>
       <p:nvGrpSpPr>

--- a/slides/Tag-3_3-Container-Registry_Light.pptx
+++ b/slides/Tag-3_3-Container-Registry_Light.pptx
@@ -12,9 +12,9 @@
     <p:handoutMasterId r:id="rId38"/>
   </p:handoutMasterIdLst>
   <p:sldIdLst>
-    <p:sldId id="288" r:id="rId3"/>
-    <p:sldId id="289" r:id="rId4"/>
-    <p:sldId id="291" r:id="rId5"/>
+    <p:sldId id="624" r:id="rId3"/>
+    <p:sldId id="606" r:id="rId4"/>
+    <p:sldId id="726" r:id="rId5"/>
     <p:sldId id="597" r:id="rId6"/>
     <p:sldId id="692" r:id="rId7"/>
     <p:sldId id="691" r:id="rId8"/>
@@ -997,19 +997,7 @@
           <a:bodyPr/>
           <a:lstStyle/>
           <a:p>
-            <a:r>
-              <a:rPr lang="de-DE" dirty="0"/>
-              <a:t>Was ist Docker und woher stammt die Idee? (grob)</a:t>
-            </a:r>
-          </a:p>
-          <a:p>
             <a:endParaRPr lang="de-DE" dirty="0"/>
-          </a:p>
-          <a:p>
-            <a:r>
-              <a:rPr lang="de-DE" dirty="0"/>
-              <a:t>Nächste Folie für eine (lustige) Aufklärung.</a:t>
-            </a:r>
           </a:p>
         </p:txBody>
       </p:sp>
@@ -1031,7 +1019,7 @@
             <a:fld id="{18182567-388C-4D33-8B7B-A651F195F118}" type="slidenum">
               <a:rPr lang="de-DE" altLang="de-DE" smtClean="0"/>
               <a:pPr/>
-              <a:t>5</a:t>
+              <a:t>1</a:t>
             </a:fld>
             <a:endParaRPr lang="de-DE" altLang="de-DE"/>
           </a:p>
@@ -1040,7 +1028,7 @@
     </p:spTree>
     <p:extLst>
       <p:ext uri="{BB962C8B-B14F-4D97-AF65-F5344CB8AC3E}">
-        <p14:creationId xmlns:p14="http://schemas.microsoft.com/office/powerpoint/2010/main" val="4013221184"/>
+        <p14:creationId xmlns:p14="http://schemas.microsoft.com/office/powerpoint/2010/main" val="983849172"/>
       </p:ext>
     </p:extLst>
   </p:cSld>
@@ -1107,15 +1095,6 @@
               <a:t>“.</a:t>
             </a:r>
           </a:p>
-          <a:p>
-            <a:endParaRPr lang="de-DE" dirty="0"/>
-          </a:p>
-          <a:p>
-            <a:r>
-              <a:rPr lang="de-DE" dirty="0"/>
-              <a:t>Hier sieht man auch mal den Speicherverbrau des Images ganz gut.</a:t>
-            </a:r>
-          </a:p>
         </p:txBody>
       </p:sp>
       <p:sp>
@@ -1136,7 +1115,7 @@
             <a:fld id="{18182567-388C-4D33-8B7B-A651F195F118}" type="slidenum">
               <a:rPr lang="de-DE" altLang="de-DE" smtClean="0"/>
               <a:pPr/>
-              <a:t>23</a:t>
+              <a:t>22</a:t>
             </a:fld>
             <a:endParaRPr lang="de-DE" altLang="de-DE"/>
           </a:p>
@@ -1145,7 +1124,7 @@
     </p:spTree>
     <p:extLst>
       <p:ext uri="{BB962C8B-B14F-4D97-AF65-F5344CB8AC3E}">
-        <p14:creationId xmlns:p14="http://schemas.microsoft.com/office/powerpoint/2010/main" val="3792026032"/>
+        <p14:creationId xmlns:p14="http://schemas.microsoft.com/office/powerpoint/2010/main" val="1441243538"/>
       </p:ext>
     </p:extLst>
   </p:cSld>
@@ -1199,7 +1178,27 @@
           <a:bodyPr/>
           <a:lstStyle/>
           <a:p>
+            <a:r>
+              <a:rPr lang="de-DE" dirty="0"/>
+              <a:t>Dort werden dann die gesamten Tags aufgelistet. Wir haben aktuell nur ein einziges Tag und das ist „</a:t>
+            </a:r>
+            <a:r>
+              <a:rPr lang="de-DE" dirty="0" err="1"/>
+              <a:t>latest</a:t>
+            </a:r>
+            <a:r>
+              <a:rPr lang="de-DE" dirty="0"/>
+              <a:t>“.</a:t>
+            </a:r>
+          </a:p>
+          <a:p>
             <a:endParaRPr lang="de-DE" dirty="0"/>
+          </a:p>
+          <a:p>
+            <a:r>
+              <a:rPr lang="de-DE" dirty="0"/>
+              <a:t>Hier sieht man auch mal den Speicherverbrau des Images ganz gut.</a:t>
+            </a:r>
           </a:p>
         </p:txBody>
       </p:sp>
@@ -1221,6 +1220,91 @@
             <a:fld id="{18182567-388C-4D33-8B7B-A651F195F118}" type="slidenum">
               <a:rPr lang="de-DE" altLang="de-DE" smtClean="0"/>
               <a:pPr/>
+              <a:t>23</a:t>
+            </a:fld>
+            <a:endParaRPr lang="de-DE" altLang="de-DE"/>
+          </a:p>
+        </p:txBody>
+      </p:sp>
+    </p:spTree>
+    <p:extLst>
+      <p:ext uri="{BB962C8B-B14F-4D97-AF65-F5344CB8AC3E}">
+        <p14:creationId xmlns:p14="http://schemas.microsoft.com/office/powerpoint/2010/main" val="3792026032"/>
+      </p:ext>
+    </p:extLst>
+  </p:cSld>
+  <p:clrMapOvr>
+    <a:masterClrMapping/>
+  </p:clrMapOvr>
+</p:notes>
+</file>
+
+<file path=ppt/notesSlides/notesSlide12.xml><?xml version="1.0" encoding="utf-8"?>
+<p:notes xmlns:a="http://schemas.openxmlformats.org/drawingml/2006/main" xmlns:r="http://schemas.openxmlformats.org/officeDocument/2006/relationships" xmlns:p="http://schemas.openxmlformats.org/presentationml/2006/main">
+  <p:cSld>
+    <p:spTree>
+      <p:nvGrpSpPr>
+        <p:cNvPr id="1" name=""/>
+        <p:cNvGrpSpPr/>
+        <p:nvPr/>
+      </p:nvGrpSpPr>
+      <p:grpSpPr>
+        <a:xfrm>
+          <a:off x="0" y="0"/>
+          <a:ext cx="0" cy="0"/>
+          <a:chOff x="0" y="0"/>
+          <a:chExt cx="0" cy="0"/>
+        </a:xfrm>
+      </p:grpSpPr>
+      <p:sp>
+        <p:nvSpPr>
+          <p:cNvPr id="2" name="Folienbildplatzhalter 1"/>
+          <p:cNvSpPr>
+            <a:spLocks noGrp="1" noRot="1" noChangeAspect="1"/>
+          </p:cNvSpPr>
+          <p:nvPr>
+            <p:ph type="sldImg"/>
+          </p:nvPr>
+        </p:nvSpPr>
+        <p:spPr/>
+      </p:sp>
+      <p:sp>
+        <p:nvSpPr>
+          <p:cNvPr id="3" name="Notizenplatzhalter 2"/>
+          <p:cNvSpPr>
+            <a:spLocks noGrp="1"/>
+          </p:cNvSpPr>
+          <p:nvPr>
+            <p:ph type="body" idx="1"/>
+          </p:nvPr>
+        </p:nvSpPr>
+        <p:spPr/>
+        <p:txBody>
+          <a:bodyPr/>
+          <a:lstStyle/>
+          <a:p>
+            <a:endParaRPr lang="de-DE" dirty="0"/>
+          </a:p>
+        </p:txBody>
+      </p:sp>
+      <p:sp>
+        <p:nvSpPr>
+          <p:cNvPr id="4" name="Foliennummernplatzhalter 3"/>
+          <p:cNvSpPr>
+            <a:spLocks noGrp="1"/>
+          </p:cNvSpPr>
+          <p:nvPr>
+            <p:ph type="sldNum" sz="quarter" idx="5"/>
+          </p:nvPr>
+        </p:nvSpPr>
+        <p:spPr/>
+        <p:txBody>
+          <a:bodyPr/>
+          <a:lstStyle/>
+          <a:p>
+            <a:fld id="{18182567-388C-4D33-8B7B-A651F195F118}" type="slidenum">
+              <a:rPr lang="de-DE" altLang="de-DE" smtClean="0"/>
+              <a:pPr/>
               <a:t>29</a:t>
             </a:fld>
             <a:endParaRPr lang="de-DE" altLang="de-DE"/>
@@ -1240,7 +1324,7 @@
 </p:notes>
 </file>
 
-<file path=ppt/notesSlides/notesSlide12.xml><?xml version="1.0" encoding="utf-8"?>
+<file path=ppt/notesSlides/notesSlide13.xml><?xml version="1.0" encoding="utf-8"?>
 <p:notes xmlns:a="http://schemas.openxmlformats.org/drawingml/2006/main" xmlns:r="http://schemas.openxmlformats.org/officeDocument/2006/relationships" xmlns:p="http://schemas.openxmlformats.org/presentationml/2006/main">
   <p:cSld>
     <p:spTree>
@@ -1417,7 +1501,19 @@
           <a:bodyPr/>
           <a:lstStyle/>
           <a:p>
+            <a:r>
+              <a:rPr lang="de-DE" dirty="0"/>
+              <a:t>Was ist Docker und woher stammt die Idee? (grob)</a:t>
+            </a:r>
+          </a:p>
+          <a:p>
             <a:endParaRPr lang="de-DE" dirty="0"/>
+          </a:p>
+          <a:p>
+            <a:r>
+              <a:rPr lang="de-DE" dirty="0"/>
+              <a:t>Nächste Folie für eine (lustige) Aufklärung.</a:t>
+            </a:r>
           </a:p>
         </p:txBody>
       </p:sp>
@@ -1439,7 +1535,7 @@
             <a:fld id="{18182567-388C-4D33-8B7B-A651F195F118}" type="slidenum">
               <a:rPr lang="de-DE" altLang="de-DE" smtClean="0"/>
               <a:pPr/>
-              <a:t>6</a:t>
+              <a:t>5</a:t>
             </a:fld>
             <a:endParaRPr lang="de-DE" altLang="de-DE"/>
           </a:p>
@@ -1448,7 +1544,7 @@
     </p:spTree>
     <p:extLst>
       <p:ext uri="{BB962C8B-B14F-4D97-AF65-F5344CB8AC3E}">
-        <p14:creationId xmlns:p14="http://schemas.microsoft.com/office/powerpoint/2010/main" val="2402252895"/>
+        <p14:creationId xmlns:p14="http://schemas.microsoft.com/office/powerpoint/2010/main" val="4013221184"/>
       </p:ext>
     </p:extLst>
   </p:cSld>
@@ -1502,10 +1598,7 @@
           <a:bodyPr/>
           <a:lstStyle/>
           <a:p>
-            <a:r>
-              <a:rPr lang="de-DE" dirty="0"/>
-              <a:t>Container Registry = Repository für Images.</a:t>
-            </a:r>
+            <a:endParaRPr lang="de-DE" dirty="0"/>
           </a:p>
         </p:txBody>
       </p:sp>
@@ -1527,7 +1620,7 @@
             <a:fld id="{18182567-388C-4D33-8B7B-A651F195F118}" type="slidenum">
               <a:rPr lang="de-DE" altLang="de-DE" smtClean="0"/>
               <a:pPr/>
-              <a:t>7</a:t>
+              <a:t>6</a:t>
             </a:fld>
             <a:endParaRPr lang="de-DE" altLang="de-DE"/>
           </a:p>
@@ -1536,7 +1629,7 @@
     </p:spTree>
     <p:extLst>
       <p:ext uri="{BB962C8B-B14F-4D97-AF65-F5344CB8AC3E}">
-        <p14:creationId xmlns:p14="http://schemas.microsoft.com/office/powerpoint/2010/main" val="1706881889"/>
+        <p14:creationId xmlns:p14="http://schemas.microsoft.com/office/powerpoint/2010/main" val="2402252895"/>
       </p:ext>
     </p:extLst>
   </p:cSld>
@@ -1590,7 +1683,10 @@
           <a:bodyPr/>
           <a:lstStyle/>
           <a:p>
-            <a:endParaRPr lang="de-DE" dirty="0"/>
+            <a:r>
+              <a:rPr lang="de-DE" dirty="0"/>
+              <a:t>Container Registry = Repository für Images.</a:t>
+            </a:r>
           </a:p>
         </p:txBody>
       </p:sp>
@@ -1612,7 +1708,7 @@
             <a:fld id="{18182567-388C-4D33-8B7B-A651F195F118}" type="slidenum">
               <a:rPr lang="de-DE" altLang="de-DE" smtClean="0"/>
               <a:pPr/>
-              <a:t>8</a:t>
+              <a:t>7</a:t>
             </a:fld>
             <a:endParaRPr lang="de-DE" altLang="de-DE"/>
           </a:p>
@@ -1621,7 +1717,7 @@
     </p:spTree>
     <p:extLst>
       <p:ext uri="{BB962C8B-B14F-4D97-AF65-F5344CB8AC3E}">
-        <p14:creationId xmlns:p14="http://schemas.microsoft.com/office/powerpoint/2010/main" val="524574607"/>
+        <p14:creationId xmlns:p14="http://schemas.microsoft.com/office/powerpoint/2010/main" val="1706881889"/>
       </p:ext>
     </p:extLst>
   </p:cSld>
@@ -1697,7 +1793,7 @@
             <a:fld id="{18182567-388C-4D33-8B7B-A651F195F118}" type="slidenum">
               <a:rPr lang="de-DE" altLang="de-DE" smtClean="0"/>
               <a:pPr/>
-              <a:t>9</a:t>
+              <a:t>8</a:t>
             </a:fld>
             <a:endParaRPr lang="de-DE" altLang="de-DE"/>
           </a:p>
@@ -1706,7 +1802,7 @@
     </p:spTree>
     <p:extLst>
       <p:ext uri="{BB962C8B-B14F-4D97-AF65-F5344CB8AC3E}">
-        <p14:creationId xmlns:p14="http://schemas.microsoft.com/office/powerpoint/2010/main" val="1529000904"/>
+        <p14:creationId xmlns:p14="http://schemas.microsoft.com/office/powerpoint/2010/main" val="524574607"/>
       </p:ext>
     </p:extLst>
   </p:cSld>
@@ -1782,7 +1878,7 @@
             <a:fld id="{18182567-388C-4D33-8B7B-A651F195F118}" type="slidenum">
               <a:rPr lang="de-DE" altLang="de-DE" smtClean="0"/>
               <a:pPr/>
-              <a:t>11</a:t>
+              <a:t>9</a:t>
             </a:fld>
             <a:endParaRPr lang="de-DE" altLang="de-DE"/>
           </a:p>
@@ -1791,7 +1887,7 @@
     </p:spTree>
     <p:extLst>
       <p:ext uri="{BB962C8B-B14F-4D97-AF65-F5344CB8AC3E}">
-        <p14:creationId xmlns:p14="http://schemas.microsoft.com/office/powerpoint/2010/main" val="905316358"/>
+        <p14:creationId xmlns:p14="http://schemas.microsoft.com/office/powerpoint/2010/main" val="1529000904"/>
       </p:ext>
     </p:extLst>
   </p:cSld>
@@ -1867,7 +1963,7 @@
             <a:fld id="{18182567-388C-4D33-8B7B-A651F195F118}" type="slidenum">
               <a:rPr lang="de-DE" altLang="de-DE" smtClean="0"/>
               <a:pPr/>
-              <a:t>13</a:t>
+              <a:t>11</a:t>
             </a:fld>
             <a:endParaRPr lang="de-DE" altLang="de-DE"/>
           </a:p>
@@ -1876,7 +1972,7 @@
     </p:spTree>
     <p:extLst>
       <p:ext uri="{BB962C8B-B14F-4D97-AF65-F5344CB8AC3E}">
-        <p14:creationId xmlns:p14="http://schemas.microsoft.com/office/powerpoint/2010/main" val="1001069917"/>
+        <p14:creationId xmlns:p14="http://schemas.microsoft.com/office/powerpoint/2010/main" val="905316358"/>
       </p:ext>
     </p:extLst>
   </p:cSld>
@@ -1930,16 +2026,7 @@
           <a:bodyPr/>
           <a:lstStyle/>
           <a:p>
-            <a:r>
-              <a:rPr lang="de-DE" dirty="0"/>
-              <a:t>Hier könnte man auch ein schlankeres Image (alpine?) verwenden. Könnte.</a:t>
-            </a:r>
-          </a:p>
-          <a:p>
-            <a:r>
-              <a:rPr lang="de-DE" dirty="0"/>
-              <a:t>Das Learning bzgl. der Image-Größen ist allerdings wichtig.</a:t>
-            </a:r>
+            <a:endParaRPr lang="de-DE" dirty="0"/>
           </a:p>
         </p:txBody>
       </p:sp>
@@ -1961,7 +2048,7 @@
             <a:fld id="{18182567-388C-4D33-8B7B-A651F195F118}" type="slidenum">
               <a:rPr lang="de-DE" altLang="de-DE" smtClean="0"/>
               <a:pPr/>
-              <a:t>16</a:t>
+              <a:t>13</a:t>
             </a:fld>
             <a:endParaRPr lang="de-DE" altLang="de-DE"/>
           </a:p>
@@ -1970,7 +2057,7 @@
     </p:spTree>
     <p:extLst>
       <p:ext uri="{BB962C8B-B14F-4D97-AF65-F5344CB8AC3E}">
-        <p14:creationId xmlns:p14="http://schemas.microsoft.com/office/powerpoint/2010/main" val="3568015380"/>
+        <p14:creationId xmlns:p14="http://schemas.microsoft.com/office/powerpoint/2010/main" val="1001069917"/>
       </p:ext>
     </p:extLst>
   </p:cSld>
@@ -2026,15 +2113,13 @@
           <a:p>
             <a:r>
               <a:rPr lang="de-DE" dirty="0"/>
-              <a:t>Dort werden dann die gesamten Tags aufgelistet. Wir haben aktuell nur ein einziges Tag und das ist „</a:t>
-            </a:r>
-            <a:r>
-              <a:rPr lang="de-DE" dirty="0" err="1"/>
-              <a:t>latest</a:t>
-            </a:r>
-            <a:r>
-              <a:rPr lang="de-DE" dirty="0"/>
-              <a:t>“.</a:t>
+              <a:t>Hier könnte man auch ein schlankeres Image (alpine?) verwenden. Könnte.</a:t>
+            </a:r>
+          </a:p>
+          <a:p>
+            <a:r>
+              <a:rPr lang="de-DE" dirty="0"/>
+              <a:t>Das Learning bzgl. der Image-Größen ist allerdings wichtig.</a:t>
             </a:r>
           </a:p>
         </p:txBody>
@@ -2057,7 +2142,7 @@
             <a:fld id="{18182567-388C-4D33-8B7B-A651F195F118}" type="slidenum">
               <a:rPr lang="de-DE" altLang="de-DE" smtClean="0"/>
               <a:pPr/>
-              <a:t>22</a:t>
+              <a:t>16</a:t>
             </a:fld>
             <a:endParaRPr lang="de-DE" altLang="de-DE"/>
           </a:p>
@@ -2066,7 +2151,7 @@
     </p:spTree>
     <p:extLst>
       <p:ext uri="{BB962C8B-B14F-4D97-AF65-F5344CB8AC3E}">
-        <p14:creationId xmlns:p14="http://schemas.microsoft.com/office/powerpoint/2010/main" val="1441243538"/>
+        <p14:creationId xmlns:p14="http://schemas.microsoft.com/office/powerpoint/2010/main" val="3568015380"/>
       </p:ext>
     </p:extLst>
   </p:cSld>
@@ -2551,7 +2636,7 @@
               <a:pPr algn="ctr">
                 <a:defRPr/>
               </a:pPr>
-              <a:t>07.06.2024</a:t>
+              <a:t>10.06.2024</a:t>
             </a:fld>
             <a:endParaRPr lang="de-DE" sz="1000">
               <a:solidFill>
@@ -2914,7 +2999,7 @@
                 </a:solidFill>
                 <a:latin typeface="Arial" charset="0"/>
               </a:rPr>
-              <a:t>&lt;Autor&gt;</a:t>
+              <a:t>Daniel Krämer &amp; Malte Fischer</a:t>
             </a:r>
           </a:p>
         </p:txBody>
@@ -2966,7 +3051,7 @@
                 </a:solidFill>
                 <a:latin typeface="Arial" charset="0"/>
               </a:rPr>
-              <a:t>Tag-3_2_2-Container-Registry.ppt</a:t>
+              <a:t>Tag-3_3-Container-Registry.pptx</a:t>
             </a:r>
             <a:endParaRPr lang="de-DE" dirty="0">
               <a:solidFill>
@@ -4520,7 +4605,7 @@
         <p:spPr bwMode="auto">
           <a:xfrm>
             <a:off x="468313" y="2562225"/>
-            <a:ext cx="4967287" cy="938213"/>
+            <a:ext cx="5471839" cy="938213"/>
           </a:xfrm>
           <a:prstGeom prst="rect">
             <a:avLst/>
@@ -4553,15 +4638,22 @@
             <a:pPr algn="l" eaLnBrk="1" hangingPunct="1"/>
             <a:r>
               <a:rPr lang="de-DE" altLang="de-DE" sz="3200" dirty="0"/>
-              <a:t>Tag 3: Docker, </a:t>
+              <a:t>Tag 3: </a:t>
             </a:r>
             <a:r>
               <a:rPr lang="de-DE" altLang="de-DE" sz="3200" dirty="0" err="1"/>
-              <a:t>GitLab</a:t>
+              <a:t>GitOps</a:t>
             </a:r>
             <a:r>
               <a:rPr lang="de-DE" altLang="de-DE" sz="3200" dirty="0"/>
-              <a:t> CI &amp; </a:t>
+              <a:t>,</a:t>
+            </a:r>
+            <a:br>
+              <a:rPr lang="de-DE" altLang="de-DE" sz="3200" dirty="0"/>
+            </a:br>
+            <a:r>
+              <a:rPr lang="de-DE" altLang="de-DE" sz="3200" dirty="0"/>
+              <a:t>Docker in der Entwicklung und </a:t>
             </a:r>
             <a:r>
               <a:rPr lang="de-DE" altLang="de-DE" sz="3200" dirty="0" err="1"/>
@@ -4592,8 +4684,8 @@
         </p:nvSpPr>
         <p:spPr bwMode="auto">
           <a:xfrm>
-            <a:off x="468313" y="4462463"/>
-            <a:ext cx="2159000" cy="622300"/>
+            <a:off x="468312" y="4462463"/>
+            <a:ext cx="4190603" cy="622300"/>
           </a:xfrm>
           <a:prstGeom prst="rect">
             <a:avLst/>
@@ -4628,8 +4720,8 @@
               <a:buNone/>
             </a:pPr>
             <a:r>
-              <a:rPr lang="de-DE" altLang="de-DE" sz="1600"/>
-              <a:t>&lt;Datum, Autor&gt;</a:t>
+              <a:rPr lang="de-DE" altLang="de-DE" sz="1600" dirty="0"/>
+              <a:t>19.06.2024, Daniel Krämer &amp; Malte Fischer</a:t>
             </a:r>
           </a:p>
         </p:txBody>
@@ -4782,18 +4874,54 @@
           </a:lstStyle>
           <a:p>
             <a:pPr eaLnBrk="1" hangingPunct="1"/>
-            <a:r>
-              <a:rPr lang="de-DE" altLang="de-DE" sz="4400">
-                <a:solidFill>
-                  <a:schemeClr val="tx2"/>
-                </a:solidFill>
-                <a:latin typeface="Arial" panose="020B0604020202020204" pitchFamily="34" charset="0"/>
-              </a:rPr>
-              <a:t>&lt;Kundenlogo&gt;</a:t>
-            </a:r>
+            <a:endParaRPr lang="de-DE" altLang="de-DE" sz="4400" dirty="0">
+              <a:solidFill>
+                <a:schemeClr val="tx2"/>
+              </a:solidFill>
+              <a:latin typeface="Arial" panose="020B0604020202020204" pitchFamily="34" charset="0"/>
+            </a:endParaRPr>
           </a:p>
         </p:txBody>
       </p:sp>
+      <p:pic>
+        <p:nvPicPr>
+          <p:cNvPr id="3" name="Grafik 2">
+            <a:extLst>
+              <a:ext uri="{FF2B5EF4-FFF2-40B4-BE49-F238E27FC236}">
+                <a16:creationId xmlns:a16="http://schemas.microsoft.com/office/drawing/2014/main" id="{F795EC6A-86ED-78D6-3916-EC81E8315965}"/>
+              </a:ext>
+            </a:extLst>
+          </p:cNvPr>
+          <p:cNvPicPr>
+            <a:picLocks noChangeAspect="1"/>
+          </p:cNvPicPr>
+          <p:nvPr/>
+        </p:nvPicPr>
+        <p:blipFill>
+          <a:blip r:embed="rId3">
+            <a:extLst>
+              <a:ext uri="{28A0092B-C50C-407E-A947-70E740481C1C}">
+                <a14:useLocalDpi xmlns:a14="http://schemas.microsoft.com/office/drawing/2010/main" val="0"/>
+              </a:ext>
+              <a:ext uri="{96DAC541-7B7A-43D3-8B79-37D633B846F1}">
+                <asvg:svgBlip xmlns:asvg="http://schemas.microsoft.com/office/drawing/2016/SVG/main" r:embed="rId4"/>
+              </a:ext>
+            </a:extLst>
+          </a:blip>
+          <a:stretch>
+            <a:fillRect/>
+          </a:stretch>
+        </p:blipFill>
+        <p:spPr>
+          <a:xfrm>
+            <a:off x="309959" y="263970"/>
+            <a:ext cx="4348957" cy="1508822"/>
+          </a:xfrm>
+          <a:prstGeom prst="rect">
+            <a:avLst/>
+          </a:prstGeom>
+        </p:spPr>
+      </p:pic>
     </p:spTree>
   </p:cSld>
   <p:clrMapOvr>
@@ -7400,13 +7528,6 @@
               <a:buFont typeface="Arial" panose="020B0604020202020204" pitchFamily="34" charset="0"/>
               <a:buChar char="•"/>
             </a:pPr>
-            <a:endParaRPr lang="de-DE" altLang="de-DE" sz="1800" b="1" dirty="0"/>
-          </a:p>
-          <a:p>
-            <a:pPr>
-              <a:buFont typeface="Arial" panose="020B0604020202020204" pitchFamily="34" charset="0"/>
-              <a:buChar char="•"/>
-            </a:pPr>
             <a:r>
               <a:rPr lang="de-DE" altLang="de-DE" sz="1800" b="1" dirty="0"/>
               <a:t>Tag 1 – Einführung in </a:t>
@@ -7459,15 +7580,37 @@
               <a:rPr lang="de-DE" altLang="de-DE" sz="1400" dirty="0" err="1"/>
               <a:t>Git</a:t>
             </a:r>
+            <a:endParaRPr lang="de-DE" altLang="de-DE" sz="1400" dirty="0"/>
+          </a:p>
+          <a:p>
+            <a:pPr lvl="1">
+              <a:buFont typeface="Arial" panose="020B0604020202020204" pitchFamily="34" charset="0"/>
+              <a:buChar char="•"/>
+            </a:pPr>
+            <a:r>
+              <a:rPr lang="de-DE" altLang="de-DE" sz="1400" dirty="0" err="1"/>
+              <a:t>Git</a:t>
+            </a:r>
+            <a:r>
+              <a:rPr lang="de-DE" altLang="de-DE" sz="1400" dirty="0"/>
+              <a:t> </a:t>
+            </a:r>
+            <a:r>
+              <a:rPr lang="de-DE" altLang="de-DE" sz="1400" dirty="0" err="1"/>
+              <a:t>Rebase</a:t>
+            </a:r>
             <a:r>
               <a:rPr lang="de-DE" altLang="de-DE" sz="1400" dirty="0"/>
               <a:t> und </a:t>
             </a:r>
             <a:r>
               <a:rPr lang="de-DE" altLang="de-DE" sz="1400" dirty="0" err="1"/>
-              <a:t>GitLab</a:t>
-            </a:r>
-            <a:endParaRPr lang="de-DE" altLang="de-DE" sz="1400" dirty="0"/>
+              <a:t>Merge</a:t>
+            </a:r>
+            <a:r>
+              <a:rPr lang="de-DE" altLang="de-DE" sz="1400" dirty="0"/>
+              <a:t>-Strategien</a:t>
+            </a:r>
           </a:p>
           <a:p>
             <a:pPr lvl="1">
@@ -7480,24 +7623,23 @@
             </a:r>
             <a:r>
               <a:rPr lang="de-DE" altLang="de-DE" sz="1400" dirty="0"/>
-              <a:t> </a:t>
+              <a:t> Remote</a:t>
+            </a:r>
+          </a:p>
+          <a:p>
+            <a:pPr lvl="1">
+              <a:buFont typeface="Arial" panose="020B0604020202020204" pitchFamily="34" charset="0"/>
+              <a:buChar char="•"/>
+            </a:pPr>
+            <a:r>
+              <a:rPr lang="de-DE" altLang="de-DE" sz="1400" dirty="0"/>
+              <a:t>Grundlagen von </a:t>
             </a:r>
             <a:r>
               <a:rPr lang="de-DE" altLang="de-DE" sz="1400" dirty="0" err="1"/>
-              <a:t>Rebase</a:t>
-            </a:r>
-            <a:r>
-              <a:rPr lang="de-DE" altLang="de-DE" sz="1400" dirty="0"/>
-              <a:t> &amp; </a:t>
-            </a:r>
-            <a:r>
-              <a:rPr lang="de-DE" altLang="de-DE" sz="1400" dirty="0" err="1"/>
-              <a:t>Merge</a:t>
-            </a:r>
-            <a:r>
-              <a:rPr lang="de-DE" altLang="de-DE" sz="1400" dirty="0"/>
-              <a:t>-Strategien</a:t>
-            </a:r>
+              <a:t>GitLab</a:t>
+            </a:r>
+            <a:endParaRPr lang="de-DE" altLang="de-DE" sz="1400" dirty="0"/>
           </a:p>
           <a:p>
             <a:pPr lvl="1">
@@ -7514,13 +7656,6 @@
             </a:r>
           </a:p>
           <a:p>
-            <a:pPr lvl="1">
-              <a:buFont typeface="Arial" panose="020B0604020202020204" pitchFamily="34" charset="0"/>
-              <a:buChar char="•"/>
-            </a:pPr>
-            <a:endParaRPr lang="de-DE" altLang="de-DE" sz="1400" dirty="0"/>
-          </a:p>
-          <a:p>
             <a:pPr>
               <a:buFont typeface="Arial" panose="020B0604020202020204" pitchFamily="34" charset="0"/>
               <a:buChar char="•"/>
@@ -7539,9 +7674,12 @@
             </a:r>
             <a:r>
               <a:rPr lang="de-DE" altLang="de-DE" sz="1800" b="1" dirty="0" err="1"/>
-              <a:t>GitOps</a:t>
-            </a:r>
-            <a:endParaRPr lang="de-DE" altLang="de-DE" sz="1800" b="1" dirty="0"/>
+              <a:t>GitLab</a:t>
+            </a:r>
+            <a:r>
+              <a:rPr lang="de-DE" altLang="de-DE" sz="1800" b="1" dirty="0"/>
+              <a:t> CI </a:t>
+            </a:r>
           </a:p>
           <a:p>
             <a:pPr lvl="1">
@@ -7573,6 +7711,20 @@
               <a:buChar char="•"/>
             </a:pPr>
             <a:r>
+              <a:rPr lang="de-DE" altLang="de-DE" sz="1400" dirty="0" err="1"/>
+              <a:t>GitLab</a:t>
+            </a:r>
+            <a:r>
+              <a:rPr lang="de-DE" altLang="de-DE" sz="1400" dirty="0"/>
+              <a:t>-Runner</a:t>
+            </a:r>
+          </a:p>
+          <a:p>
+            <a:pPr lvl="1">
+              <a:buFont typeface="Arial" panose="020B0604020202020204" pitchFamily="34" charset="0"/>
+              <a:buChar char="•"/>
+            </a:pPr>
+            <a:r>
               <a:rPr lang="de-DE" altLang="de-DE" sz="1400" dirty="0"/>
               <a:t>Einführung in </a:t>
             </a:r>
@@ -7591,51 +7743,43 @@
             <a:endParaRPr lang="de-DE" altLang="de-DE" sz="1400" dirty="0"/>
           </a:p>
           <a:p>
+            <a:pPr>
+              <a:buFont typeface="Arial" panose="020B0604020202020204" pitchFamily="34" charset="0"/>
+              <a:buChar char="•"/>
+            </a:pPr>
+            <a:r>
+              <a:rPr lang="de-DE" altLang="de-DE" sz="1800" b="1" dirty="0"/>
+              <a:t>Tag 3 – </a:t>
+            </a:r>
+            <a:r>
+              <a:rPr lang="de-DE" altLang="de-DE" sz="1800" b="1" dirty="0" err="1"/>
+              <a:t>GitOps</a:t>
+            </a:r>
+            <a:r>
+              <a:rPr lang="de-DE" altLang="de-DE" sz="1800" b="1" dirty="0"/>
+              <a:t>, Docker in der Entwicklung und </a:t>
+            </a:r>
+            <a:r>
+              <a:rPr lang="de-DE" altLang="de-DE" sz="1800" b="1" dirty="0" err="1"/>
+              <a:t>Deployment</a:t>
+            </a:r>
+            <a:r>
+              <a:rPr lang="de-DE" altLang="de-DE" sz="1800" b="1" dirty="0"/>
+              <a:t>-Strategien</a:t>
+            </a:r>
+          </a:p>
+          <a:p>
             <a:pPr lvl="1">
               <a:buFont typeface="Arial" panose="020B0604020202020204" pitchFamily="34" charset="0"/>
               <a:buChar char="•"/>
             </a:pPr>
-            <a:r>
-              <a:rPr lang="de-DE" altLang="de-DE" sz="1400" dirty="0"/>
-              <a:t>Grundlagen von </a:t>
-            </a:r>
             <a:r>
               <a:rPr lang="de-DE" altLang="de-DE" sz="1400" dirty="0" err="1"/>
               <a:t>GitOps</a:t>
             </a:r>
-            <a:endParaRPr lang="de-DE" altLang="de-DE" sz="1400" dirty="0"/>
-          </a:p>
-          <a:p>
-            <a:pPr lvl="1">
-              <a:buFont typeface="Arial" panose="020B0604020202020204" pitchFamily="34" charset="0"/>
-              <a:buChar char="•"/>
-            </a:pPr>
-            <a:endParaRPr lang="de-DE" altLang="de-DE" sz="1400" dirty="0"/>
-          </a:p>
-          <a:p>
-            <a:pPr>
-              <a:buFont typeface="Arial" panose="020B0604020202020204" pitchFamily="34" charset="0"/>
-              <a:buChar char="•"/>
-            </a:pPr>
-            <a:r>
-              <a:rPr lang="de-DE" altLang="de-DE" sz="1800" b="1" dirty="0"/>
-              <a:t>Tag 3 – Docker in der Entwicklung, </a:t>
-            </a:r>
-            <a:r>
-              <a:rPr lang="de-DE" altLang="de-DE" sz="1800" b="1" dirty="0" err="1"/>
-              <a:t>GitLab</a:t>
-            </a:r>
-            <a:r>
-              <a:rPr lang="de-DE" altLang="de-DE" sz="1800" b="1" dirty="0"/>
-              <a:t> CI und </a:t>
-            </a:r>
-            <a:r>
-              <a:rPr lang="de-DE" altLang="de-DE" sz="1800" b="1" dirty="0" err="1"/>
-              <a:t>Deployment</a:t>
-            </a:r>
-            <a:r>
-              <a:rPr lang="de-DE" altLang="de-DE" sz="1800" b="1" dirty="0"/>
-              <a:t>-Strategien</a:t>
+            <a:r>
+              <a:rPr lang="de-DE" altLang="de-DE" sz="1400" dirty="0"/>
+              <a:t> Grundlagen</a:t>
             </a:r>
           </a:p>
           <a:p>
@@ -7654,12 +7798,8 @@
               <a:buChar char="•"/>
             </a:pPr>
             <a:r>
-              <a:rPr lang="de-DE" altLang="de-DE" sz="1400" dirty="0" err="1"/>
-              <a:t>GitLab</a:t>
-            </a:r>
-            <a:r>
               <a:rPr lang="de-DE" altLang="de-DE" sz="1400" dirty="0"/>
-              <a:t>-Runner &amp; Docker-Registry</a:t>
+              <a:t>Container/Docker-Registry</a:t>
             </a:r>
           </a:p>
           <a:p>
@@ -7696,6 +7836,16 @@
             <a:r>
               <a:rPr lang="de-DE" altLang="de-DE" sz="1400" dirty="0"/>
               <a:t> &amp; Verwaltung von Konfiguration</a:t>
+            </a:r>
+          </a:p>
+          <a:p>
+            <a:pPr lvl="1">
+              <a:buFont typeface="Arial" panose="020B0604020202020204" pitchFamily="34" charset="0"/>
+              <a:buChar char="•"/>
+            </a:pPr>
+            <a:r>
+              <a:rPr lang="de-DE" altLang="de-DE" sz="1400" dirty="0"/>
+              <a:t>Abschlussübung &amp; Diskussion</a:t>
             </a:r>
           </a:p>
           <a:p>
@@ -9587,13 +9737,6 @@
               <a:buFont typeface="Arial" panose="020B0604020202020204" pitchFamily="34" charset="0"/>
               <a:buChar char="•"/>
             </a:pPr>
-            <a:endParaRPr lang="de-DE" altLang="de-DE" sz="1800" b="1" dirty="0"/>
-          </a:p>
-          <a:p>
-            <a:pPr>
-              <a:buFont typeface="Arial" panose="020B0604020202020204" pitchFamily="34" charset="0"/>
-              <a:buChar char="•"/>
-            </a:pPr>
             <a:r>
               <a:rPr lang="de-DE" altLang="de-DE" sz="1800" b="1" dirty="0"/>
               <a:t>Tag 1 – Einführung in </a:t>
@@ -9646,15 +9789,37 @@
               <a:rPr lang="de-DE" altLang="de-DE" sz="1400" dirty="0" err="1"/>
               <a:t>Git</a:t>
             </a:r>
+            <a:endParaRPr lang="de-DE" altLang="de-DE" sz="1400" dirty="0"/>
+          </a:p>
+          <a:p>
+            <a:pPr lvl="1">
+              <a:buFont typeface="Arial" panose="020B0604020202020204" pitchFamily="34" charset="0"/>
+              <a:buChar char="•"/>
+            </a:pPr>
+            <a:r>
+              <a:rPr lang="de-DE" altLang="de-DE" sz="1400" dirty="0" err="1"/>
+              <a:t>Git</a:t>
+            </a:r>
+            <a:r>
+              <a:rPr lang="de-DE" altLang="de-DE" sz="1400" dirty="0"/>
+              <a:t> </a:t>
+            </a:r>
+            <a:r>
+              <a:rPr lang="de-DE" altLang="de-DE" sz="1400" dirty="0" err="1"/>
+              <a:t>Rebase</a:t>
+            </a:r>
             <a:r>
               <a:rPr lang="de-DE" altLang="de-DE" sz="1400" dirty="0"/>
               <a:t> und </a:t>
             </a:r>
             <a:r>
               <a:rPr lang="de-DE" altLang="de-DE" sz="1400" dirty="0" err="1"/>
-              <a:t>GitLab</a:t>
-            </a:r>
-            <a:endParaRPr lang="de-DE" altLang="de-DE" sz="1400" dirty="0"/>
+              <a:t>Merge</a:t>
+            </a:r>
+            <a:r>
+              <a:rPr lang="de-DE" altLang="de-DE" sz="1400" dirty="0"/>
+              <a:t>-Strategien</a:t>
+            </a:r>
           </a:p>
           <a:p>
             <a:pPr lvl="1">
@@ -9667,24 +9832,23 @@
             </a:r>
             <a:r>
               <a:rPr lang="de-DE" altLang="de-DE" sz="1400" dirty="0"/>
-              <a:t> </a:t>
+              <a:t> Remote</a:t>
+            </a:r>
+          </a:p>
+          <a:p>
+            <a:pPr lvl="1">
+              <a:buFont typeface="Arial" panose="020B0604020202020204" pitchFamily="34" charset="0"/>
+              <a:buChar char="•"/>
+            </a:pPr>
+            <a:r>
+              <a:rPr lang="de-DE" altLang="de-DE" sz="1400" dirty="0"/>
+              <a:t>Grundlagen von </a:t>
             </a:r>
             <a:r>
               <a:rPr lang="de-DE" altLang="de-DE" sz="1400" dirty="0" err="1"/>
-              <a:t>Rebase</a:t>
-            </a:r>
-            <a:r>
-              <a:rPr lang="de-DE" altLang="de-DE" sz="1400" dirty="0"/>
-              <a:t> &amp; </a:t>
-            </a:r>
-            <a:r>
-              <a:rPr lang="de-DE" altLang="de-DE" sz="1400" dirty="0" err="1"/>
-              <a:t>Merge</a:t>
-            </a:r>
-            <a:r>
-              <a:rPr lang="de-DE" altLang="de-DE" sz="1400" dirty="0"/>
-              <a:t>-Strategien</a:t>
-            </a:r>
+              <a:t>GitLab</a:t>
+            </a:r>
+            <a:endParaRPr lang="de-DE" altLang="de-DE" sz="1400" dirty="0"/>
           </a:p>
           <a:p>
             <a:pPr lvl="1">
@@ -9701,13 +9865,6 @@
             </a:r>
           </a:p>
           <a:p>
-            <a:pPr lvl="1">
-              <a:buFont typeface="Arial" panose="020B0604020202020204" pitchFamily="34" charset="0"/>
-              <a:buChar char="•"/>
-            </a:pPr>
-            <a:endParaRPr lang="de-DE" altLang="de-DE" sz="1400" dirty="0"/>
-          </a:p>
-          <a:p>
             <a:pPr>
               <a:buFont typeface="Arial" panose="020B0604020202020204" pitchFamily="34" charset="0"/>
               <a:buChar char="•"/>
@@ -9726,9 +9883,12 @@
             </a:r>
             <a:r>
               <a:rPr lang="de-DE" altLang="de-DE" sz="1800" b="1" dirty="0" err="1"/>
-              <a:t>GitOps</a:t>
-            </a:r>
-            <a:endParaRPr lang="de-DE" altLang="de-DE" sz="1800" b="1" dirty="0"/>
+              <a:t>GitLab</a:t>
+            </a:r>
+            <a:r>
+              <a:rPr lang="de-DE" altLang="de-DE" sz="1800" b="1" dirty="0"/>
+              <a:t> CI </a:t>
+            </a:r>
           </a:p>
           <a:p>
             <a:pPr lvl="1">
@@ -9760,6 +9920,20 @@
               <a:buChar char="•"/>
             </a:pPr>
             <a:r>
+              <a:rPr lang="de-DE" altLang="de-DE" sz="1400" dirty="0" err="1"/>
+              <a:t>GitLab</a:t>
+            </a:r>
+            <a:r>
+              <a:rPr lang="de-DE" altLang="de-DE" sz="1400" dirty="0"/>
+              <a:t>-Runner</a:t>
+            </a:r>
+          </a:p>
+          <a:p>
+            <a:pPr lvl="1">
+              <a:buFont typeface="Arial" panose="020B0604020202020204" pitchFamily="34" charset="0"/>
+              <a:buChar char="•"/>
+            </a:pPr>
+            <a:r>
               <a:rPr lang="de-DE" altLang="de-DE" sz="1400" dirty="0"/>
               <a:t>Einführung in </a:t>
             </a:r>
@@ -9778,51 +9952,43 @@
             <a:endParaRPr lang="de-DE" altLang="de-DE" sz="1400" dirty="0"/>
           </a:p>
           <a:p>
+            <a:pPr>
+              <a:buFont typeface="Arial" panose="020B0604020202020204" pitchFamily="34" charset="0"/>
+              <a:buChar char="•"/>
+            </a:pPr>
+            <a:r>
+              <a:rPr lang="de-DE" altLang="de-DE" sz="1800" b="1" dirty="0"/>
+              <a:t>Tag 3 – </a:t>
+            </a:r>
+            <a:r>
+              <a:rPr lang="de-DE" altLang="de-DE" sz="1800" b="1" dirty="0" err="1"/>
+              <a:t>GitOps</a:t>
+            </a:r>
+            <a:r>
+              <a:rPr lang="de-DE" altLang="de-DE" sz="1800" b="1" dirty="0"/>
+              <a:t>, Docker in der Entwicklung und </a:t>
+            </a:r>
+            <a:r>
+              <a:rPr lang="de-DE" altLang="de-DE" sz="1800" b="1" dirty="0" err="1"/>
+              <a:t>Deployment</a:t>
+            </a:r>
+            <a:r>
+              <a:rPr lang="de-DE" altLang="de-DE" sz="1800" b="1" dirty="0"/>
+              <a:t>-Strategien</a:t>
+            </a:r>
+          </a:p>
+          <a:p>
             <a:pPr lvl="1">
               <a:buFont typeface="Arial" panose="020B0604020202020204" pitchFamily="34" charset="0"/>
               <a:buChar char="•"/>
             </a:pPr>
-            <a:r>
-              <a:rPr lang="de-DE" altLang="de-DE" sz="1400" dirty="0"/>
-              <a:t>Grundlagen von </a:t>
-            </a:r>
             <a:r>
               <a:rPr lang="de-DE" altLang="de-DE" sz="1400" dirty="0" err="1"/>
               <a:t>GitOps</a:t>
             </a:r>
-            <a:endParaRPr lang="de-DE" altLang="de-DE" sz="1400" dirty="0"/>
-          </a:p>
-          <a:p>
-            <a:pPr lvl="1">
-              <a:buFont typeface="Arial" panose="020B0604020202020204" pitchFamily="34" charset="0"/>
-              <a:buChar char="•"/>
-            </a:pPr>
-            <a:endParaRPr lang="de-DE" altLang="de-DE" sz="1400" dirty="0"/>
-          </a:p>
-          <a:p>
-            <a:pPr>
-              <a:buFont typeface="Arial" panose="020B0604020202020204" pitchFamily="34" charset="0"/>
-              <a:buChar char="•"/>
-            </a:pPr>
-            <a:r>
-              <a:rPr lang="de-DE" altLang="de-DE" sz="1800" b="1" dirty="0"/>
-              <a:t>Tag 3 – Docker in der Entwicklung, </a:t>
-            </a:r>
-            <a:r>
-              <a:rPr lang="de-DE" altLang="de-DE" sz="1800" b="1" dirty="0" err="1"/>
-              <a:t>GitLab</a:t>
-            </a:r>
-            <a:r>
-              <a:rPr lang="de-DE" altLang="de-DE" sz="1800" b="1" dirty="0"/>
-              <a:t> CI und </a:t>
-            </a:r>
-            <a:r>
-              <a:rPr lang="de-DE" altLang="de-DE" sz="1800" b="1" dirty="0" err="1"/>
-              <a:t>Deployment</a:t>
-            </a:r>
-            <a:r>
-              <a:rPr lang="de-DE" altLang="de-DE" sz="1800" b="1" dirty="0"/>
-              <a:t>-Strategien</a:t>
+            <a:r>
+              <a:rPr lang="de-DE" altLang="de-DE" sz="1400" dirty="0"/>
+              <a:t> Grundlagen</a:t>
             </a:r>
           </a:p>
           <a:p>
@@ -9841,12 +10007,8 @@
               <a:buChar char="•"/>
             </a:pPr>
             <a:r>
-              <a:rPr lang="de-DE" altLang="de-DE" sz="1400" u="sng" dirty="0" err="1"/>
-              <a:t>GitLab</a:t>
-            </a:r>
-            <a:r>
               <a:rPr lang="de-DE" altLang="de-DE" sz="1400" u="sng" dirty="0"/>
-              <a:t>-Runner &amp; Docker-Registry</a:t>
+              <a:t>Container/Docker-Registry</a:t>
             </a:r>
           </a:p>
           <a:p>
@@ -9863,7 +10025,7 @@
               <a:t>Tagged</a:t>
             </a:r>
             <a:r>
-              <a:rPr lang="de-DE" altLang="de-DE" sz="1400"/>
+              <a:rPr lang="de-DE" altLang="de-DE" sz="1400" dirty="0"/>
               <a:t>-Images</a:t>
             </a:r>
           </a:p>
@@ -9873,12 +10035,8 @@
               <a:buChar char="•"/>
             </a:pPr>
             <a:r>
-              <a:rPr lang="de-DE" altLang="de-DE" sz="1400"/>
-              <a:t>Möglichkeiten </a:t>
-            </a:r>
-            <a:r>
               <a:rPr lang="de-DE" altLang="de-DE" sz="1400" dirty="0"/>
-              <a:t>des </a:t>
+              <a:t>Möglichkeiten des </a:t>
             </a:r>
             <a:r>
               <a:rPr lang="de-DE" altLang="de-DE" sz="1400" dirty="0" err="1"/>
@@ -9887,6 +10045,16 @@
             <a:r>
               <a:rPr lang="de-DE" altLang="de-DE" sz="1400" dirty="0"/>
               <a:t> &amp; Verwaltung von Konfiguration</a:t>
+            </a:r>
+          </a:p>
+          <a:p>
+            <a:pPr lvl="1">
+              <a:buFont typeface="Arial" panose="020B0604020202020204" pitchFamily="34" charset="0"/>
+              <a:buChar char="•"/>
+            </a:pPr>
+            <a:r>
+              <a:rPr lang="de-DE" altLang="de-DE" sz="1400" dirty="0"/>
+              <a:t>Abschlussübung &amp; Diskussion</a:t>
             </a:r>
           </a:p>
           <a:p>
@@ -9934,7 +10102,7 @@
     </p:spTree>
     <p:extLst>
       <p:ext uri="{BB962C8B-B14F-4D97-AF65-F5344CB8AC3E}">
-        <p14:creationId xmlns:p14="http://schemas.microsoft.com/office/powerpoint/2010/main" val="3071277897"/>
+        <p14:creationId xmlns:p14="http://schemas.microsoft.com/office/powerpoint/2010/main" val="954423341"/>
       </p:ext>
     </p:extLst>
   </p:cSld>

--- a/slides/Tag-3_3-Container-Registry_Light.pptx
+++ b/slides/Tag-3_3-Container-Registry_Light.pptx
@@ -5128,13 +5128,10 @@
           <a:lstStyle/>
           <a:p>
             <a:r>
-              <a:rPr lang="de-DE" dirty="0" err="1"/>
-              <a:t>GitLab</a:t>
-            </a:r>
-            <a:r>
-              <a:rPr lang="de-DE" dirty="0"/>
-              <a:t> Runner</a:t>
-            </a:r>
+              <a:rPr lang="de-DE"/>
+              <a:t>Container Registry</a:t>
+            </a:r>
+            <a:endParaRPr lang="de-DE" dirty="0"/>
           </a:p>
         </p:txBody>
       </p:sp>

--- a/slides/Tag-3_3-Container-Registry_Light.pptx
+++ b/slides/Tag-3_3-Container-Registry_Light.pptx
@@ -3485,6 +3485,42 @@
           </a:p>
         </p:txBody>
       </p:sp>
+      <p:pic>
+        <p:nvPicPr>
+          <p:cNvPr id="3" name="Grafik 2">
+            <a:extLst>
+              <a:ext uri="{FF2B5EF4-FFF2-40B4-BE49-F238E27FC236}">
+                <a16:creationId xmlns:a16="http://schemas.microsoft.com/office/drawing/2014/main" id="{DBFA1405-4DC1-C425-0088-E92F0DC10C2B}"/>
+              </a:ext>
+            </a:extLst>
+          </p:cNvPr>
+          <p:cNvPicPr>
+            <a:picLocks noChangeAspect="1"/>
+          </p:cNvPicPr>
+          <p:nvPr userDrawn="1"/>
+        </p:nvPicPr>
+        <p:blipFill>
+          <a:blip r:embed="rId7">
+            <a:extLst>
+              <a:ext uri="{28A0092B-C50C-407E-A947-70E740481C1C}">
+                <a14:useLocalDpi xmlns:a14="http://schemas.microsoft.com/office/drawing/2010/main" val="0"/>
+              </a:ext>
+            </a:extLst>
+          </a:blip>
+          <a:stretch>
+            <a:fillRect/>
+          </a:stretch>
+        </p:blipFill>
+        <p:spPr>
+          <a:xfrm>
+            <a:off x="8486775" y="-15729"/>
+            <a:ext cx="636272" cy="636272"/>
+          </a:xfrm>
+          <a:prstGeom prst="rect">
+            <a:avLst/>
+          </a:prstGeom>
+        </p:spPr>
+      </p:pic>
     </p:spTree>
   </p:cSld>
   <p:clrMap bg1="lt1" tx1="dk1" bg2="lt2" tx2="dk2" accent1="accent1" accent2="accent2" accent3="accent3" accent4="accent4" accent5="accent5" accent6="accent6" hlink="hlink" folHlink="folHlink"/>
@@ -4194,6 +4230,42 @@
           </a:p>
         </p:txBody>
       </p:sp>
+      <p:pic>
+        <p:nvPicPr>
+          <p:cNvPr id="2" name="Grafik 1">
+            <a:extLst>
+              <a:ext uri="{FF2B5EF4-FFF2-40B4-BE49-F238E27FC236}">
+                <a16:creationId xmlns:a16="http://schemas.microsoft.com/office/drawing/2014/main" id="{190F1D20-2026-B406-A512-1DCD5F3D8FD6}"/>
+              </a:ext>
+            </a:extLst>
+          </p:cNvPr>
+          <p:cNvPicPr>
+            <a:picLocks noChangeAspect="1"/>
+          </p:cNvPicPr>
+          <p:nvPr userDrawn="1"/>
+        </p:nvPicPr>
+        <p:blipFill>
+          <a:blip r:embed="rId5">
+            <a:extLst>
+              <a:ext uri="{28A0092B-C50C-407E-A947-70E740481C1C}">
+                <a14:useLocalDpi xmlns:a14="http://schemas.microsoft.com/office/drawing/2010/main" val="0"/>
+              </a:ext>
+            </a:extLst>
+          </a:blip>
+          <a:stretch>
+            <a:fillRect/>
+          </a:stretch>
+        </p:blipFill>
+        <p:spPr>
+          <a:xfrm>
+            <a:off x="3383868" y="4481736"/>
+            <a:ext cx="2376264" cy="2376264"/>
+          </a:xfrm>
+          <a:prstGeom prst="rect">
+            <a:avLst/>
+          </a:prstGeom>
+        </p:spPr>
+      </p:pic>
     </p:spTree>
   </p:cSld>
   <p:clrMap bg1="lt1" tx1="dk1" bg2="lt2" tx2="dk2" accent1="accent1" accent2="accent2" accent3="accent3" accent4="accent4" accent5="accent5" accent6="accent6" hlink="hlink" folHlink="folHlink"/>

--- a/slides/Tag-3_3-Container-Registry_Light.pptx
+++ b/slides/Tag-3_3-Container-Registry_Light.pptx
@@ -9290,12 +9290,17 @@
             </a:pPr>
             <a:r>
               <a:rPr lang="en-US" dirty="0"/>
-              <a:t>Project: </a:t>
-            </a:r>
-            <a:r>
-              <a:rPr lang="nl-NL" dirty="0"/>
-              <a:t>gitlab.ads.anderscore.com/trainings/gitlab</a:t>
-            </a:r>
+              <a:t>Project</a:t>
+            </a:r>
+            <a:r>
+              <a:rPr lang="en-US"/>
+              <a:t>: </a:t>
+            </a:r>
+            <a:r>
+              <a:rPr lang="nl-NL"/>
+              <a:t>gitlab</a:t>
+            </a:r>
+            <a:endParaRPr lang="nl-NL" dirty="0"/>
           </a:p>
           <a:p>
             <a:pPr>

--- a/slides/Tag-3_3-Container-Registry_Light.pptx
+++ b/slides/Tag-3_3-Container-Registry_Light.pptx
@@ -2636,7 +2636,7 @@
               <a:pPr algn="ctr">
                 <a:defRPr/>
               </a:pPr>
-              <a:t>10.06.2024</a:t>
+              <a:t>11.06.2024</a:t>
             </a:fld>
             <a:endParaRPr lang="de-DE" sz="1000">
               <a:solidFill>
@@ -5457,6 +5457,42 @@
           </a:p>
         </p:txBody>
       </p:sp>
+      <p:pic>
+        <p:nvPicPr>
+          <p:cNvPr id="4" name="Grafik 3">
+            <a:extLst>
+              <a:ext uri="{FF2B5EF4-FFF2-40B4-BE49-F238E27FC236}">
+                <a16:creationId xmlns:a16="http://schemas.microsoft.com/office/drawing/2014/main" id="{776C09D4-1E0E-0F8D-B2AC-88835519C810}"/>
+              </a:ext>
+            </a:extLst>
+          </p:cNvPr>
+          <p:cNvPicPr>
+            <a:picLocks noChangeAspect="1"/>
+          </p:cNvPicPr>
+          <p:nvPr/>
+        </p:nvPicPr>
+        <p:blipFill>
+          <a:blip r:embed="rId2">
+            <a:extLst>
+              <a:ext uri="{28A0092B-C50C-407E-A947-70E740481C1C}">
+                <a14:useLocalDpi xmlns:a14="http://schemas.microsoft.com/office/drawing/2010/main" val="0"/>
+              </a:ext>
+            </a:extLst>
+          </a:blip>
+          <a:stretch>
+            <a:fillRect/>
+          </a:stretch>
+        </p:blipFill>
+        <p:spPr>
+          <a:xfrm rot="20304935">
+            <a:off x="7184622" y="5554276"/>
+            <a:ext cx="2227108" cy="926566"/>
+          </a:xfrm>
+          <a:prstGeom prst="rect">
+            <a:avLst/>
+          </a:prstGeom>
+        </p:spPr>
+      </p:pic>
     </p:spTree>
     <p:extLst>
       <p:ext uri="{BB962C8B-B14F-4D97-AF65-F5344CB8AC3E}">
@@ -5662,6 +5698,42 @@
           </a:p>
         </p:txBody>
       </p:sp>
+      <p:pic>
+        <p:nvPicPr>
+          <p:cNvPr id="4" name="Grafik 3">
+            <a:extLst>
+              <a:ext uri="{FF2B5EF4-FFF2-40B4-BE49-F238E27FC236}">
+                <a16:creationId xmlns:a16="http://schemas.microsoft.com/office/drawing/2014/main" id="{2C40A98A-0C01-8319-3995-62B1D3904D30}"/>
+              </a:ext>
+            </a:extLst>
+          </p:cNvPr>
+          <p:cNvPicPr>
+            <a:picLocks noChangeAspect="1"/>
+          </p:cNvPicPr>
+          <p:nvPr/>
+        </p:nvPicPr>
+        <p:blipFill>
+          <a:blip r:embed="rId3">
+            <a:extLst>
+              <a:ext uri="{28A0092B-C50C-407E-A947-70E740481C1C}">
+                <a14:useLocalDpi xmlns:a14="http://schemas.microsoft.com/office/drawing/2010/main" val="0"/>
+              </a:ext>
+            </a:extLst>
+          </a:blip>
+          <a:stretch>
+            <a:fillRect/>
+          </a:stretch>
+        </p:blipFill>
+        <p:spPr>
+          <a:xfrm rot="20304935">
+            <a:off x="7184622" y="5554276"/>
+            <a:ext cx="2227108" cy="926566"/>
+          </a:xfrm>
+          <a:prstGeom prst="rect">
+            <a:avLst/>
+          </a:prstGeom>
+        </p:spPr>
+      </p:pic>
     </p:spTree>
     <p:extLst>
       <p:ext uri="{BB962C8B-B14F-4D97-AF65-F5344CB8AC3E}">
@@ -5753,6 +5825,42 @@
             <a:off x="2082474" y="981075"/>
             <a:ext cx="4958415" cy="5400675"/>
           </a:xfrm>
+        </p:spPr>
+      </p:pic>
+      <p:pic>
+        <p:nvPicPr>
+          <p:cNvPr id="3" name="Grafik 2">
+            <a:extLst>
+              <a:ext uri="{FF2B5EF4-FFF2-40B4-BE49-F238E27FC236}">
+                <a16:creationId xmlns:a16="http://schemas.microsoft.com/office/drawing/2014/main" id="{E69AC38D-4003-2EE6-FEA7-753ECE144185}"/>
+              </a:ext>
+            </a:extLst>
+          </p:cNvPr>
+          <p:cNvPicPr>
+            <a:picLocks noChangeAspect="1"/>
+          </p:cNvPicPr>
+          <p:nvPr/>
+        </p:nvPicPr>
+        <p:blipFill>
+          <a:blip r:embed="rId3">
+            <a:extLst>
+              <a:ext uri="{28A0092B-C50C-407E-A947-70E740481C1C}">
+                <a14:useLocalDpi xmlns:a14="http://schemas.microsoft.com/office/drawing/2010/main" val="0"/>
+              </a:ext>
+            </a:extLst>
+          </a:blip>
+          <a:stretch>
+            <a:fillRect/>
+          </a:stretch>
+        </p:blipFill>
+        <p:spPr>
+          <a:xfrm rot="20304935">
+            <a:off x="7184622" y="5554276"/>
+            <a:ext cx="2227108" cy="926566"/>
+          </a:xfrm>
+          <a:prstGeom prst="rect">
+            <a:avLst/>
+          </a:prstGeom>
         </p:spPr>
       </p:pic>
     </p:spTree>
@@ -6033,6 +6141,42 @@
           </a:p>
         </p:txBody>
       </p:sp>
+      <p:pic>
+        <p:nvPicPr>
+          <p:cNvPr id="4" name="Grafik 3">
+            <a:extLst>
+              <a:ext uri="{FF2B5EF4-FFF2-40B4-BE49-F238E27FC236}">
+                <a16:creationId xmlns:a16="http://schemas.microsoft.com/office/drawing/2014/main" id="{E599B05E-3A8D-65AF-F518-013E90B1B43E}"/>
+              </a:ext>
+            </a:extLst>
+          </p:cNvPr>
+          <p:cNvPicPr>
+            <a:picLocks noChangeAspect="1"/>
+          </p:cNvPicPr>
+          <p:nvPr/>
+        </p:nvPicPr>
+        <p:blipFill>
+          <a:blip r:embed="rId2">
+            <a:extLst>
+              <a:ext uri="{28A0092B-C50C-407E-A947-70E740481C1C}">
+                <a14:useLocalDpi xmlns:a14="http://schemas.microsoft.com/office/drawing/2010/main" val="0"/>
+              </a:ext>
+            </a:extLst>
+          </a:blip>
+          <a:stretch>
+            <a:fillRect/>
+          </a:stretch>
+        </p:blipFill>
+        <p:spPr>
+          <a:xfrm rot="20304935">
+            <a:off x="7184622" y="5554276"/>
+            <a:ext cx="2227108" cy="926566"/>
+          </a:xfrm>
+          <a:prstGeom prst="rect">
+            <a:avLst/>
+          </a:prstGeom>
+        </p:spPr>
+      </p:pic>
     </p:spTree>
     <p:extLst>
       <p:ext uri="{BB962C8B-B14F-4D97-AF65-F5344CB8AC3E}">
@@ -7037,6 +7181,42 @@
           </a:p>
         </p:txBody>
       </p:sp>
+      <p:pic>
+        <p:nvPicPr>
+          <p:cNvPr id="4" name="Grafik 3">
+            <a:extLst>
+              <a:ext uri="{FF2B5EF4-FFF2-40B4-BE49-F238E27FC236}">
+                <a16:creationId xmlns:a16="http://schemas.microsoft.com/office/drawing/2014/main" id="{CC7E1206-9705-1613-CA38-E2927F39DE01}"/>
+              </a:ext>
+            </a:extLst>
+          </p:cNvPr>
+          <p:cNvPicPr>
+            <a:picLocks noChangeAspect="1"/>
+          </p:cNvPicPr>
+          <p:nvPr/>
+        </p:nvPicPr>
+        <p:blipFill>
+          <a:blip r:embed="rId3">
+            <a:extLst>
+              <a:ext uri="{28A0092B-C50C-407E-A947-70E740481C1C}">
+                <a14:useLocalDpi xmlns:a14="http://schemas.microsoft.com/office/drawing/2010/main" val="0"/>
+              </a:ext>
+            </a:extLst>
+          </a:blip>
+          <a:stretch>
+            <a:fillRect/>
+          </a:stretch>
+        </p:blipFill>
+        <p:spPr>
+          <a:xfrm rot="20304935">
+            <a:off x="7184622" y="5554276"/>
+            <a:ext cx="2227108" cy="926566"/>
+          </a:xfrm>
+          <a:prstGeom prst="rect">
+            <a:avLst/>
+          </a:prstGeom>
+        </p:spPr>
+      </p:pic>
     </p:spTree>
     <p:extLst>
       <p:ext uri="{BB962C8B-B14F-4D97-AF65-F5344CB8AC3E}">
@@ -7128,6 +7308,42 @@
             <a:off x="508228" y="1152172"/>
             <a:ext cx="8106906" cy="5058481"/>
           </a:xfrm>
+        </p:spPr>
+      </p:pic>
+      <p:pic>
+        <p:nvPicPr>
+          <p:cNvPr id="3" name="Grafik 2">
+            <a:extLst>
+              <a:ext uri="{FF2B5EF4-FFF2-40B4-BE49-F238E27FC236}">
+                <a16:creationId xmlns:a16="http://schemas.microsoft.com/office/drawing/2014/main" id="{3A1D4B41-4A10-B21B-6922-893A7B7CBD56}"/>
+              </a:ext>
+            </a:extLst>
+          </p:cNvPr>
+          <p:cNvPicPr>
+            <a:picLocks noChangeAspect="1"/>
+          </p:cNvPicPr>
+          <p:nvPr/>
+        </p:nvPicPr>
+        <p:blipFill>
+          <a:blip r:embed="rId3">
+            <a:extLst>
+              <a:ext uri="{28A0092B-C50C-407E-A947-70E740481C1C}">
+                <a14:useLocalDpi xmlns:a14="http://schemas.microsoft.com/office/drawing/2010/main" val="0"/>
+              </a:ext>
+            </a:extLst>
+          </a:blip>
+          <a:stretch>
+            <a:fillRect/>
+          </a:stretch>
+        </p:blipFill>
+        <p:spPr>
+          <a:xfrm rot="20304935">
+            <a:off x="7184622" y="5554276"/>
+            <a:ext cx="2227108" cy="926566"/>
+          </a:xfrm>
+          <a:prstGeom prst="rect">
+            <a:avLst/>
+          </a:prstGeom>
         </p:spPr>
       </p:pic>
     </p:spTree>
@@ -7449,6 +7665,42 @@
           </a:p>
         </p:txBody>
       </p:sp>
+      <p:pic>
+        <p:nvPicPr>
+          <p:cNvPr id="4" name="Grafik 3">
+            <a:extLst>
+              <a:ext uri="{FF2B5EF4-FFF2-40B4-BE49-F238E27FC236}">
+                <a16:creationId xmlns:a16="http://schemas.microsoft.com/office/drawing/2014/main" id="{54AB718B-4ACE-A51B-16A2-B152B469D1B6}"/>
+              </a:ext>
+            </a:extLst>
+          </p:cNvPr>
+          <p:cNvPicPr>
+            <a:picLocks noChangeAspect="1"/>
+          </p:cNvPicPr>
+          <p:nvPr/>
+        </p:nvPicPr>
+        <p:blipFill>
+          <a:blip r:embed="rId2">
+            <a:extLst>
+              <a:ext uri="{28A0092B-C50C-407E-A947-70E740481C1C}">
+                <a14:useLocalDpi xmlns:a14="http://schemas.microsoft.com/office/drawing/2010/main" val="0"/>
+              </a:ext>
+            </a:extLst>
+          </a:blip>
+          <a:stretch>
+            <a:fillRect/>
+          </a:stretch>
+        </p:blipFill>
+        <p:spPr>
+          <a:xfrm rot="20304935">
+            <a:off x="7184622" y="5554276"/>
+            <a:ext cx="2227108" cy="926566"/>
+          </a:xfrm>
+          <a:prstGeom prst="rect">
+            <a:avLst/>
+          </a:prstGeom>
+        </p:spPr>
+      </p:pic>
     </p:spTree>
     <p:extLst>
       <p:ext uri="{BB962C8B-B14F-4D97-AF65-F5344CB8AC3E}">
@@ -8104,6 +8356,42 @@
           </a:p>
         </p:txBody>
       </p:sp>
+      <p:pic>
+        <p:nvPicPr>
+          <p:cNvPr id="4" name="Grafik 3">
+            <a:extLst>
+              <a:ext uri="{FF2B5EF4-FFF2-40B4-BE49-F238E27FC236}">
+                <a16:creationId xmlns:a16="http://schemas.microsoft.com/office/drawing/2014/main" id="{FCC74698-8306-8280-6995-ABE8B6E13CA2}"/>
+              </a:ext>
+            </a:extLst>
+          </p:cNvPr>
+          <p:cNvPicPr>
+            <a:picLocks noChangeAspect="1"/>
+          </p:cNvPicPr>
+          <p:nvPr/>
+        </p:nvPicPr>
+        <p:blipFill>
+          <a:blip r:embed="rId2">
+            <a:extLst>
+              <a:ext uri="{28A0092B-C50C-407E-A947-70E740481C1C}">
+                <a14:useLocalDpi xmlns:a14="http://schemas.microsoft.com/office/drawing/2010/main" val="0"/>
+              </a:ext>
+            </a:extLst>
+          </a:blip>
+          <a:stretch>
+            <a:fillRect/>
+          </a:stretch>
+        </p:blipFill>
+        <p:spPr>
+          <a:xfrm rot="20304935">
+            <a:off x="7184622" y="5554276"/>
+            <a:ext cx="2227108" cy="926566"/>
+          </a:xfrm>
+          <a:prstGeom prst="rect">
+            <a:avLst/>
+          </a:prstGeom>
+        </p:spPr>
+      </p:pic>
     </p:spTree>
     <p:extLst>
       <p:ext uri="{BB962C8B-B14F-4D97-AF65-F5344CB8AC3E}">
@@ -8283,6 +8571,42 @@
           </a:p>
         </p:txBody>
       </p:sp>
+      <p:pic>
+        <p:nvPicPr>
+          <p:cNvPr id="4" name="Grafik 3">
+            <a:extLst>
+              <a:ext uri="{FF2B5EF4-FFF2-40B4-BE49-F238E27FC236}">
+                <a16:creationId xmlns:a16="http://schemas.microsoft.com/office/drawing/2014/main" id="{8C61E806-5641-C710-287B-B8A0811EDD32}"/>
+              </a:ext>
+            </a:extLst>
+          </p:cNvPr>
+          <p:cNvPicPr>
+            <a:picLocks noChangeAspect="1"/>
+          </p:cNvPicPr>
+          <p:nvPr/>
+        </p:nvPicPr>
+        <p:blipFill>
+          <a:blip r:embed="rId2">
+            <a:extLst>
+              <a:ext uri="{28A0092B-C50C-407E-A947-70E740481C1C}">
+                <a14:useLocalDpi xmlns:a14="http://schemas.microsoft.com/office/drawing/2010/main" val="0"/>
+              </a:ext>
+            </a:extLst>
+          </a:blip>
+          <a:stretch>
+            <a:fillRect/>
+          </a:stretch>
+        </p:blipFill>
+        <p:spPr>
+          <a:xfrm rot="20304935">
+            <a:off x="7184622" y="5554276"/>
+            <a:ext cx="2227108" cy="926566"/>
+          </a:xfrm>
+          <a:prstGeom prst="rect">
+            <a:avLst/>
+          </a:prstGeom>
+        </p:spPr>
+      </p:pic>
     </p:spTree>
     <p:extLst>
       <p:ext uri="{BB962C8B-B14F-4D97-AF65-F5344CB8AC3E}">
@@ -8374,6 +8698,42 @@
             <a:off x="1541835" y="1142645"/>
             <a:ext cx="6039693" cy="5077534"/>
           </a:xfrm>
+        </p:spPr>
+      </p:pic>
+      <p:pic>
+        <p:nvPicPr>
+          <p:cNvPr id="3" name="Grafik 2">
+            <a:extLst>
+              <a:ext uri="{FF2B5EF4-FFF2-40B4-BE49-F238E27FC236}">
+                <a16:creationId xmlns:a16="http://schemas.microsoft.com/office/drawing/2014/main" id="{B7BC0C22-0DFA-F4DA-B1A0-6C27897D346E}"/>
+              </a:ext>
+            </a:extLst>
+          </p:cNvPr>
+          <p:cNvPicPr>
+            <a:picLocks noChangeAspect="1"/>
+          </p:cNvPicPr>
+          <p:nvPr/>
+        </p:nvPicPr>
+        <p:blipFill>
+          <a:blip r:embed="rId4">
+            <a:extLst>
+              <a:ext uri="{28A0092B-C50C-407E-A947-70E740481C1C}">
+                <a14:useLocalDpi xmlns:a14="http://schemas.microsoft.com/office/drawing/2010/main" val="0"/>
+              </a:ext>
+            </a:extLst>
+          </a:blip>
+          <a:stretch>
+            <a:fillRect/>
+          </a:stretch>
+        </p:blipFill>
+        <p:spPr>
+          <a:xfrm rot="20304935">
+            <a:off x="7184622" y="5554276"/>
+            <a:ext cx="2227108" cy="926566"/>
+          </a:xfrm>
+          <a:prstGeom prst="rect">
+            <a:avLst/>
+          </a:prstGeom>
         </p:spPr>
       </p:pic>
     </p:spTree>
@@ -8469,6 +8829,42 @@
           </a:xfrm>
         </p:spPr>
       </p:pic>
+      <p:pic>
+        <p:nvPicPr>
+          <p:cNvPr id="3" name="Grafik 2">
+            <a:extLst>
+              <a:ext uri="{FF2B5EF4-FFF2-40B4-BE49-F238E27FC236}">
+                <a16:creationId xmlns:a16="http://schemas.microsoft.com/office/drawing/2014/main" id="{1551BEBB-9186-0A65-53CE-BA3EDC5BC084}"/>
+              </a:ext>
+            </a:extLst>
+          </p:cNvPr>
+          <p:cNvPicPr>
+            <a:picLocks noChangeAspect="1"/>
+          </p:cNvPicPr>
+          <p:nvPr/>
+        </p:nvPicPr>
+        <p:blipFill>
+          <a:blip r:embed="rId4">
+            <a:extLst>
+              <a:ext uri="{28A0092B-C50C-407E-A947-70E740481C1C}">
+                <a14:useLocalDpi xmlns:a14="http://schemas.microsoft.com/office/drawing/2010/main" val="0"/>
+              </a:ext>
+            </a:extLst>
+          </a:blip>
+          <a:stretch>
+            <a:fillRect/>
+          </a:stretch>
+        </p:blipFill>
+        <p:spPr>
+          <a:xfrm rot="20304935">
+            <a:off x="7184622" y="5554276"/>
+            <a:ext cx="2227108" cy="926566"/>
+          </a:xfrm>
+          <a:prstGeom prst="rect">
+            <a:avLst/>
+          </a:prstGeom>
+        </p:spPr>
+      </p:pic>
     </p:spTree>
     <p:extLst>
       <p:ext uri="{BB962C8B-B14F-4D97-AF65-F5344CB8AC3E}">
@@ -8619,6 +9015,42 @@
           </a:p>
         </p:txBody>
       </p:sp>
+      <p:pic>
+        <p:nvPicPr>
+          <p:cNvPr id="4" name="Grafik 3">
+            <a:extLst>
+              <a:ext uri="{FF2B5EF4-FFF2-40B4-BE49-F238E27FC236}">
+                <a16:creationId xmlns:a16="http://schemas.microsoft.com/office/drawing/2014/main" id="{E9958298-0F82-C8EA-C121-9A00B97B8E4A}"/>
+              </a:ext>
+            </a:extLst>
+          </p:cNvPr>
+          <p:cNvPicPr>
+            <a:picLocks noChangeAspect="1"/>
+          </p:cNvPicPr>
+          <p:nvPr/>
+        </p:nvPicPr>
+        <p:blipFill>
+          <a:blip r:embed="rId2">
+            <a:extLst>
+              <a:ext uri="{28A0092B-C50C-407E-A947-70E740481C1C}">
+                <a14:useLocalDpi xmlns:a14="http://schemas.microsoft.com/office/drawing/2010/main" val="0"/>
+              </a:ext>
+            </a:extLst>
+          </a:blip>
+          <a:stretch>
+            <a:fillRect/>
+          </a:stretch>
+        </p:blipFill>
+        <p:spPr>
+          <a:xfrm rot="20304935">
+            <a:off x="7184622" y="5554276"/>
+            <a:ext cx="2227108" cy="926566"/>
+          </a:xfrm>
+          <a:prstGeom prst="rect">
+            <a:avLst/>
+          </a:prstGeom>
+        </p:spPr>
+      </p:pic>
     </p:spTree>
     <p:extLst>
       <p:ext uri="{BB962C8B-B14F-4D97-AF65-F5344CB8AC3E}">
@@ -8970,6 +9402,42 @@
           <a:xfrm>
             <a:off x="6948264" y="2780928"/>
             <a:ext cx="1716164" cy="1599418"/>
+          </a:xfrm>
+          <a:prstGeom prst="rect">
+            <a:avLst/>
+          </a:prstGeom>
+        </p:spPr>
+      </p:pic>
+      <p:pic>
+        <p:nvPicPr>
+          <p:cNvPr id="4" name="Grafik 3">
+            <a:extLst>
+              <a:ext uri="{FF2B5EF4-FFF2-40B4-BE49-F238E27FC236}">
+                <a16:creationId xmlns:a16="http://schemas.microsoft.com/office/drawing/2014/main" id="{772860F8-860A-94EE-F3D8-C2D3D469A224}"/>
+              </a:ext>
+            </a:extLst>
+          </p:cNvPr>
+          <p:cNvPicPr>
+            <a:picLocks noChangeAspect="1"/>
+          </p:cNvPicPr>
+          <p:nvPr/>
+        </p:nvPicPr>
+        <p:blipFill>
+          <a:blip r:embed="rId4">
+            <a:extLst>
+              <a:ext uri="{28A0092B-C50C-407E-A947-70E740481C1C}">
+                <a14:useLocalDpi xmlns:a14="http://schemas.microsoft.com/office/drawing/2010/main" val="0"/>
+              </a:ext>
+            </a:extLst>
+          </a:blip>
+          <a:stretch>
+            <a:fillRect/>
+          </a:stretch>
+        </p:blipFill>
+        <p:spPr>
+          <a:xfrm rot="20304935">
+            <a:off x="7184622" y="5554276"/>
+            <a:ext cx="2227108" cy="926566"/>
           </a:xfrm>
           <a:prstGeom prst="rect">
             <a:avLst/>
@@ -10323,6 +10791,42 @@
           </a:p>
         </p:txBody>
       </p:sp>
+      <p:pic>
+        <p:nvPicPr>
+          <p:cNvPr id="4" name="Grafik 3">
+            <a:extLst>
+              <a:ext uri="{FF2B5EF4-FFF2-40B4-BE49-F238E27FC236}">
+                <a16:creationId xmlns:a16="http://schemas.microsoft.com/office/drawing/2014/main" id="{73DC9ED7-C4F2-501E-7BD6-385CCD2E244E}"/>
+              </a:ext>
+            </a:extLst>
+          </p:cNvPr>
+          <p:cNvPicPr>
+            <a:picLocks noChangeAspect="1"/>
+          </p:cNvPicPr>
+          <p:nvPr/>
+        </p:nvPicPr>
+        <p:blipFill>
+          <a:blip r:embed="rId2">
+            <a:extLst>
+              <a:ext uri="{28A0092B-C50C-407E-A947-70E740481C1C}">
+                <a14:useLocalDpi xmlns:a14="http://schemas.microsoft.com/office/drawing/2010/main" val="0"/>
+              </a:ext>
+            </a:extLst>
+          </a:blip>
+          <a:stretch>
+            <a:fillRect/>
+          </a:stretch>
+        </p:blipFill>
+        <p:spPr>
+          <a:xfrm rot="20304935">
+            <a:off x="7184622" y="5554276"/>
+            <a:ext cx="2227108" cy="926566"/>
+          </a:xfrm>
+          <a:prstGeom prst="rect">
+            <a:avLst/>
+          </a:prstGeom>
+        </p:spPr>
+      </p:pic>
     </p:spTree>
     <p:extLst>
       <p:ext uri="{BB962C8B-B14F-4D97-AF65-F5344CB8AC3E}">
@@ -10577,6 +11081,42 @@
           </a:p>
         </p:txBody>
       </p:sp>
+      <p:pic>
+        <p:nvPicPr>
+          <p:cNvPr id="4" name="Grafik 3">
+            <a:extLst>
+              <a:ext uri="{FF2B5EF4-FFF2-40B4-BE49-F238E27FC236}">
+                <a16:creationId xmlns:a16="http://schemas.microsoft.com/office/drawing/2014/main" id="{F7E3E37D-6A2A-7854-DE45-43490C6EC09E}"/>
+              </a:ext>
+            </a:extLst>
+          </p:cNvPr>
+          <p:cNvPicPr>
+            <a:picLocks noChangeAspect="1"/>
+          </p:cNvPicPr>
+          <p:nvPr/>
+        </p:nvPicPr>
+        <p:blipFill>
+          <a:blip r:embed="rId2">
+            <a:extLst>
+              <a:ext uri="{28A0092B-C50C-407E-A947-70E740481C1C}">
+                <a14:useLocalDpi xmlns:a14="http://schemas.microsoft.com/office/drawing/2010/main" val="0"/>
+              </a:ext>
+            </a:extLst>
+          </a:blip>
+          <a:stretch>
+            <a:fillRect/>
+          </a:stretch>
+        </p:blipFill>
+        <p:spPr>
+          <a:xfrm rot="20304935">
+            <a:off x="7184622" y="5554276"/>
+            <a:ext cx="2227108" cy="926566"/>
+          </a:xfrm>
+          <a:prstGeom prst="rect">
+            <a:avLst/>
+          </a:prstGeom>
+        </p:spPr>
+      </p:pic>
     </p:spTree>
     <p:extLst>
       <p:ext uri="{BB962C8B-B14F-4D97-AF65-F5344CB8AC3E}">
@@ -10727,6 +11267,42 @@
           </a:p>
         </p:txBody>
       </p:sp>
+      <p:pic>
+        <p:nvPicPr>
+          <p:cNvPr id="4" name="Grafik 3">
+            <a:extLst>
+              <a:ext uri="{FF2B5EF4-FFF2-40B4-BE49-F238E27FC236}">
+                <a16:creationId xmlns:a16="http://schemas.microsoft.com/office/drawing/2014/main" id="{B708A25E-FA9A-C726-AC6D-C5BD7101597E}"/>
+              </a:ext>
+            </a:extLst>
+          </p:cNvPr>
+          <p:cNvPicPr>
+            <a:picLocks noChangeAspect="1"/>
+          </p:cNvPicPr>
+          <p:nvPr/>
+        </p:nvPicPr>
+        <p:blipFill>
+          <a:blip r:embed="rId2">
+            <a:extLst>
+              <a:ext uri="{28A0092B-C50C-407E-A947-70E740481C1C}">
+                <a14:useLocalDpi xmlns:a14="http://schemas.microsoft.com/office/drawing/2010/main" val="0"/>
+              </a:ext>
+            </a:extLst>
+          </a:blip>
+          <a:stretch>
+            <a:fillRect/>
+          </a:stretch>
+        </p:blipFill>
+        <p:spPr>
+          <a:xfrm rot="20304935">
+            <a:off x="7184622" y="5554276"/>
+            <a:ext cx="2227108" cy="926566"/>
+          </a:xfrm>
+          <a:prstGeom prst="rect">
+            <a:avLst/>
+          </a:prstGeom>
+        </p:spPr>
+      </p:pic>
     </p:spTree>
     <p:extLst>
       <p:ext uri="{BB962C8B-B14F-4D97-AF65-F5344CB8AC3E}">
@@ -11048,6 +11624,42 @@
           </a:p>
         </p:txBody>
       </p:sp>
+      <p:pic>
+        <p:nvPicPr>
+          <p:cNvPr id="4" name="Grafik 3">
+            <a:extLst>
+              <a:ext uri="{FF2B5EF4-FFF2-40B4-BE49-F238E27FC236}">
+                <a16:creationId xmlns:a16="http://schemas.microsoft.com/office/drawing/2014/main" id="{A228F2D2-3CB9-8BA8-4634-D0946D03CFBD}"/>
+              </a:ext>
+            </a:extLst>
+          </p:cNvPr>
+          <p:cNvPicPr>
+            <a:picLocks noChangeAspect="1"/>
+          </p:cNvPicPr>
+          <p:nvPr/>
+        </p:nvPicPr>
+        <p:blipFill>
+          <a:blip r:embed="rId2">
+            <a:extLst>
+              <a:ext uri="{28A0092B-C50C-407E-A947-70E740481C1C}">
+                <a14:useLocalDpi xmlns:a14="http://schemas.microsoft.com/office/drawing/2010/main" val="0"/>
+              </a:ext>
+            </a:extLst>
+          </a:blip>
+          <a:stretch>
+            <a:fillRect/>
+          </a:stretch>
+        </p:blipFill>
+        <p:spPr>
+          <a:xfrm rot="20304935">
+            <a:off x="7184622" y="5554276"/>
+            <a:ext cx="2227108" cy="926566"/>
+          </a:xfrm>
+          <a:prstGeom prst="rect">
+            <a:avLst/>
+          </a:prstGeom>
+        </p:spPr>
+      </p:pic>
     </p:spTree>
     <p:extLst>
       <p:ext uri="{BB962C8B-B14F-4D97-AF65-F5344CB8AC3E}">

--- a/slides/Tag-3_3-Container-Registry_Light.pptx
+++ b/slides/Tag-3_3-Container-Registry_Light.pptx
@@ -1305,7 +1305,7 @@
             <a:fld id="{18182567-388C-4D33-8B7B-A651F195F118}" type="slidenum">
               <a:rPr lang="de-DE" altLang="de-DE" smtClean="0"/>
               <a:pPr/>
-              <a:t>29</a:t>
+              <a:t>25</a:t>
             </a:fld>
             <a:endParaRPr lang="de-DE" altLang="de-DE"/>
           </a:p>
@@ -1314,7 +1314,7 @@
     </p:spTree>
     <p:extLst>
       <p:ext uri="{BB962C8B-B14F-4D97-AF65-F5344CB8AC3E}">
-        <p14:creationId xmlns:p14="http://schemas.microsoft.com/office/powerpoint/2010/main" val="3056766989"/>
+        <p14:creationId xmlns:p14="http://schemas.microsoft.com/office/powerpoint/2010/main" val="3690600403"/>
       </p:ext>
     </p:extLst>
   </p:cSld>
@@ -1368,6 +1368,91 @@
           <a:bodyPr/>
           <a:lstStyle/>
           <a:p>
+            <a:endParaRPr lang="de-DE" dirty="0"/>
+          </a:p>
+        </p:txBody>
+      </p:sp>
+      <p:sp>
+        <p:nvSpPr>
+          <p:cNvPr id="4" name="Foliennummernplatzhalter 3"/>
+          <p:cNvSpPr>
+            <a:spLocks noGrp="1"/>
+          </p:cNvSpPr>
+          <p:nvPr>
+            <p:ph type="sldNum" sz="quarter" idx="5"/>
+          </p:nvPr>
+        </p:nvSpPr>
+        <p:spPr/>
+        <p:txBody>
+          <a:bodyPr/>
+          <a:lstStyle/>
+          <a:p>
+            <a:fld id="{18182567-388C-4D33-8B7B-A651F195F118}" type="slidenum">
+              <a:rPr lang="de-DE" altLang="de-DE" smtClean="0"/>
+              <a:pPr/>
+              <a:t>29</a:t>
+            </a:fld>
+            <a:endParaRPr lang="de-DE" altLang="de-DE"/>
+          </a:p>
+        </p:txBody>
+      </p:sp>
+    </p:spTree>
+    <p:extLst>
+      <p:ext uri="{BB962C8B-B14F-4D97-AF65-F5344CB8AC3E}">
+        <p14:creationId xmlns:p14="http://schemas.microsoft.com/office/powerpoint/2010/main" val="3056766989"/>
+      </p:ext>
+    </p:extLst>
+  </p:cSld>
+  <p:clrMapOvr>
+    <a:masterClrMapping/>
+  </p:clrMapOvr>
+</p:notes>
+</file>
+
+<file path=ppt/notesSlides/notesSlide14.xml><?xml version="1.0" encoding="utf-8"?>
+<p:notes xmlns:a="http://schemas.openxmlformats.org/drawingml/2006/main" xmlns:r="http://schemas.openxmlformats.org/officeDocument/2006/relationships" xmlns:p="http://schemas.openxmlformats.org/presentationml/2006/main">
+  <p:cSld>
+    <p:spTree>
+      <p:nvGrpSpPr>
+        <p:cNvPr id="1" name=""/>
+        <p:cNvGrpSpPr/>
+        <p:nvPr/>
+      </p:nvGrpSpPr>
+      <p:grpSpPr>
+        <a:xfrm>
+          <a:off x="0" y="0"/>
+          <a:ext cx="0" cy="0"/>
+          <a:chOff x="0" y="0"/>
+          <a:chExt cx="0" cy="0"/>
+        </a:xfrm>
+      </p:grpSpPr>
+      <p:sp>
+        <p:nvSpPr>
+          <p:cNvPr id="2" name="Folienbildplatzhalter 1"/>
+          <p:cNvSpPr>
+            <a:spLocks noGrp="1" noRot="1" noChangeAspect="1"/>
+          </p:cNvSpPr>
+          <p:nvPr>
+            <p:ph type="sldImg"/>
+          </p:nvPr>
+        </p:nvSpPr>
+        <p:spPr/>
+      </p:sp>
+      <p:sp>
+        <p:nvSpPr>
+          <p:cNvPr id="3" name="Notizenplatzhalter 2"/>
+          <p:cNvSpPr>
+            <a:spLocks noGrp="1"/>
+          </p:cNvSpPr>
+          <p:nvPr>
+            <p:ph type="body" idx="1"/>
+          </p:nvPr>
+        </p:nvSpPr>
+        <p:spPr/>
+        <p:txBody>
+          <a:bodyPr/>
+          <a:lstStyle/>
+          <a:p>
             <a:r>
               <a:rPr lang="de-DE" dirty="0"/>
               <a:t>https://docs.gitlab.com/ee/user/packages/container_registry/</a:t>
@@ -1379,7 +1464,7 @@
           <a:p>
             <a:r>
               <a:rPr lang="de-DE" dirty="0"/>
-              <a:t>Docker V2: https://distribution.github.io/distribution/spec/manifest-v2-2/</a:t>
+              <a:t>Docker v2: https://distribution.github.io/distribution/spec/manifest-v2-2/</a:t>
             </a:r>
           </a:p>
           <a:p>
@@ -2636,7 +2721,7 @@
               <a:pPr algn="ctr">
                 <a:defRPr/>
               </a:pPr>
-              <a:t>11.06.2024</a:t>
+              <a:t>12.06.2024</a:t>
             </a:fld>
             <a:endParaRPr lang="de-DE" sz="1000">
               <a:solidFill>
@@ -3020,7 +3105,7 @@
         </p:nvSpPr>
         <p:spPr bwMode="auto">
           <a:xfrm>
-            <a:off x="4252913" y="6424613"/>
+            <a:off x="3900200" y="6451600"/>
             <a:ext cx="2121093" cy="246221"/>
           </a:xfrm>
           <a:prstGeom prst="rect">
@@ -5093,7 +5178,7 @@
             </a:pPr>
             <a:r>
               <a:rPr lang="de-DE" dirty="0"/>
-              <a:t>Tags eines bestimmten Container Image ansehen</a:t>
+              <a:t>Tags eines bestimmten Container Images ansehen</a:t>
             </a:r>
           </a:p>
           <a:p>
@@ -5676,7 +5761,7 @@
             </a:pPr>
             <a:r>
               <a:rPr lang="de-DE" dirty="0"/>
-              <a:t>Nur Members des Projekts und der Gruppe haben Zugriff</a:t>
+              <a:t>Nur Members des Projektes und der Gruppe haben Zugriff</a:t>
             </a:r>
           </a:p>
           <a:p>
@@ -5985,7 +6070,7 @@
             </a:pPr>
             <a:r>
               <a:rPr lang="de-DE" dirty="0"/>
-              <a:t>Siehe Vorschlagstext von </a:t>
+              <a:t>Siehe vorangegangene Hinweise von </a:t>
             </a:r>
             <a:r>
               <a:rPr lang="de-DE" dirty="0" err="1"/>
@@ -7447,6 +7532,15 @@
             </a:r>
           </a:p>
           <a:p>
+            <a:pPr lvl="1">
+              <a:buFont typeface="Arial" panose="020B0604020202020204" pitchFamily="34" charset="0"/>
+              <a:buChar char="•"/>
+            </a:pPr>
+            <a:endParaRPr lang="de-DE" dirty="0">
+              <a:sym typeface="Wingdings" panose="05000000000000000000" pitchFamily="2" charset="2"/>
+            </a:endParaRPr>
+          </a:p>
+          <a:p>
             <a:pPr>
               <a:buFont typeface="Arial" panose="020B0604020202020204" pitchFamily="34" charset="0"/>
               <a:buChar char="•"/>
@@ -7461,7 +7555,7 @@
               <a:rPr lang="de-DE" dirty="0" err="1">
                 <a:sym typeface="Wingdings" panose="05000000000000000000" pitchFamily="2" charset="2"/>
               </a:rPr>
-              <a:t>practise</a:t>
+              <a:t>practice</a:t>
             </a:r>
             <a:endParaRPr lang="de-DE" dirty="0">
               <a:sym typeface="Wingdings" panose="05000000000000000000" pitchFamily="2" charset="2"/>
@@ -7476,46 +7570,40 @@
               <a:rPr lang="de-DE" dirty="0">
                 <a:sym typeface="Wingdings" panose="05000000000000000000" pitchFamily="2" charset="2"/>
               </a:rPr>
-              <a:t>:</a:t>
+              <a:t>Keine Version  z.B. </a:t>
             </a:r>
             <a:r>
               <a:rPr lang="de-DE" dirty="0" err="1">
                 <a:sym typeface="Wingdings" panose="05000000000000000000" pitchFamily="2" charset="2"/>
               </a:rPr>
-              <a:t>latest</a:t>
+              <a:t>docker</a:t>
             </a:r>
             <a:endParaRPr lang="de-DE" dirty="0">
               <a:sym typeface="Wingdings" panose="05000000000000000000" pitchFamily="2" charset="2"/>
             </a:endParaRPr>
           </a:p>
           <a:p>
-            <a:pPr lvl="2">
-              <a:buFont typeface="Arial" panose="020B0604020202020204" pitchFamily="34" charset="0"/>
-              <a:buChar char="•"/>
-            </a:pPr>
-            <a:r>
-              <a:rPr lang="de-DE" sz="1800" dirty="0">
-                <a:sym typeface="Wingdings" panose="05000000000000000000" pitchFamily="2" charset="2"/>
-              </a:rPr>
-              <a:t> Image ändert sich immer!</a:t>
-            </a:r>
-          </a:p>
-          <a:p>
             <a:pPr lvl="1">
               <a:buFont typeface="Arial" panose="020B0604020202020204" pitchFamily="34" charset="0"/>
               <a:buChar char="•"/>
             </a:pPr>
             <a:r>
+              <a:rPr lang="de-DE" dirty="0" err="1">
+                <a:sym typeface="Wingdings" panose="05000000000000000000" pitchFamily="2" charset="2"/>
+              </a:rPr>
+              <a:t>Latest</a:t>
+            </a:r>
+            <a:r>
               <a:rPr lang="de-DE" dirty="0">
                 <a:sym typeface="Wingdings" panose="05000000000000000000" pitchFamily="2" charset="2"/>
               </a:rPr>
-              <a:t>Keine Version  z.B. </a:t>
+              <a:t> tag  z.B. </a:t>
             </a:r>
             <a:r>
               <a:rPr lang="de-DE" dirty="0" err="1">
                 <a:sym typeface="Wingdings" panose="05000000000000000000" pitchFamily="2" charset="2"/>
               </a:rPr>
-              <a:t>docker</a:t>
+              <a:t>docker:latest</a:t>
             </a:r>
             <a:endParaRPr lang="de-DE" dirty="0">
               <a:sym typeface="Wingdings" panose="05000000000000000000" pitchFamily="2" charset="2"/>
@@ -7527,28 +7615,22 @@
               <a:buChar char="•"/>
             </a:pPr>
             <a:r>
+              <a:rPr lang="de-DE" dirty="0" err="1">
+                <a:sym typeface="Wingdings" panose="05000000000000000000" pitchFamily="2" charset="2"/>
+              </a:rPr>
+              <a:t>Stable</a:t>
+            </a:r>
+            <a:r>
               <a:rPr lang="de-DE" dirty="0">
                 <a:sym typeface="Wingdings" panose="05000000000000000000" pitchFamily="2" charset="2"/>
               </a:rPr>
-              <a:t>Das </a:t>
+              <a:t> tag  z.B. </a:t>
             </a:r>
             <a:r>
               <a:rPr lang="de-DE" dirty="0" err="1">
                 <a:sym typeface="Wingdings" panose="05000000000000000000" pitchFamily="2" charset="2"/>
               </a:rPr>
-              <a:t>latest</a:t>
-            </a:r>
-            <a:r>
-              <a:rPr lang="de-DE" dirty="0">
-                <a:sym typeface="Wingdings" panose="05000000000000000000" pitchFamily="2" charset="2"/>
-              </a:rPr>
-              <a:t> tag  z.B. </a:t>
-            </a:r>
-            <a:r>
-              <a:rPr lang="de-DE" dirty="0" err="1">
-                <a:sym typeface="Wingdings" panose="05000000000000000000" pitchFamily="2" charset="2"/>
-              </a:rPr>
-              <a:t>docker:latest</a:t>
+              <a:t>docker:stable</a:t>
             </a:r>
             <a:endParaRPr lang="de-DE" dirty="0">
               <a:sym typeface="Wingdings" panose="05000000000000000000" pitchFamily="2" charset="2"/>
@@ -7563,31 +7645,46 @@
               <a:rPr lang="de-DE" dirty="0">
                 <a:sym typeface="Wingdings" panose="05000000000000000000" pitchFamily="2" charset="2"/>
               </a:rPr>
-              <a:t>Das </a:t>
-            </a:r>
-            <a:r>
-              <a:rPr lang="de-DE" dirty="0" err="1">
-                <a:sym typeface="Wingdings" panose="05000000000000000000" pitchFamily="2" charset="2"/>
-              </a:rPr>
-              <a:t>stable</a:t>
-            </a:r>
-            <a:r>
-              <a:rPr lang="de-DE" dirty="0">
-                <a:sym typeface="Wingdings" panose="05000000000000000000" pitchFamily="2" charset="2"/>
-              </a:rPr>
-              <a:t> tag  z.B. </a:t>
-            </a:r>
-            <a:r>
-              <a:rPr lang="de-DE" dirty="0" err="1">
-                <a:sym typeface="Wingdings" panose="05000000000000000000" pitchFamily="2" charset="2"/>
-              </a:rPr>
-              <a:t>docker:stable</a:t>
-            </a:r>
+              <a:t>Major Version  z.B. docker:26</a:t>
+            </a:r>
+          </a:p>
+          <a:p>
+            <a:pPr lvl="1">
+              <a:buFont typeface="Arial" panose="020B0604020202020204" pitchFamily="34" charset="0"/>
+              <a:buChar char="•"/>
+            </a:pPr>
             <a:endParaRPr lang="de-DE" dirty="0">
               <a:sym typeface="Wingdings" panose="05000000000000000000" pitchFamily="2" charset="2"/>
             </a:endParaRPr>
           </a:p>
           <a:p>
+            <a:pPr>
+              <a:buFont typeface="Arial" panose="020B0604020202020204" pitchFamily="34" charset="0"/>
+              <a:buChar char="•"/>
+            </a:pPr>
+            <a:r>
+              <a:rPr lang="de-DE" dirty="0" err="1">
+                <a:sym typeface="Wingdings" panose="05000000000000000000" pitchFamily="2" charset="2"/>
+              </a:rPr>
+              <a:t>Good</a:t>
+            </a:r>
+            <a:r>
+              <a:rPr lang="de-DE" dirty="0">
+                <a:sym typeface="Wingdings" panose="05000000000000000000" pitchFamily="2" charset="2"/>
+              </a:rPr>
+              <a:t> </a:t>
+            </a:r>
+            <a:r>
+              <a:rPr lang="de-DE" dirty="0" err="1">
+                <a:sym typeface="Wingdings" panose="05000000000000000000" pitchFamily="2" charset="2"/>
+              </a:rPr>
+              <a:t>practice</a:t>
+            </a:r>
+            <a:endParaRPr lang="de-DE" dirty="0">
+              <a:sym typeface="Wingdings" panose="05000000000000000000" pitchFamily="2" charset="2"/>
+            </a:endParaRPr>
+          </a:p>
+          <a:p>
             <a:pPr lvl="1">
               <a:buFont typeface="Arial" panose="020B0604020202020204" pitchFamily="34" charset="0"/>
               <a:buChar char="•"/>
@@ -7596,47 +7693,8 @@
               <a:rPr lang="de-DE" dirty="0">
                 <a:sym typeface="Wingdings" panose="05000000000000000000" pitchFamily="2" charset="2"/>
               </a:rPr>
-              <a:t>Major </a:t>
-            </a:r>
-            <a:r>
-              <a:rPr lang="de-DE" dirty="0" err="1">
-                <a:sym typeface="Wingdings" panose="05000000000000000000" pitchFamily="2" charset="2"/>
-              </a:rPr>
-              <a:t>version</a:t>
-            </a:r>
-            <a:r>
-              <a:rPr lang="de-DE" dirty="0">
-                <a:sym typeface="Wingdings" panose="05000000000000000000" pitchFamily="2" charset="2"/>
-              </a:rPr>
-              <a:t>  z.B. docker:26</a:t>
-            </a:r>
-          </a:p>
-          <a:p>
-            <a:pPr>
-              <a:buFont typeface="Arial" panose="020B0604020202020204" pitchFamily="34" charset="0"/>
-              <a:buChar char="•"/>
-            </a:pPr>
-            <a:r>
-              <a:rPr lang="de-DE" dirty="0" err="1">
-                <a:sym typeface="Wingdings" panose="05000000000000000000" pitchFamily="2" charset="2"/>
-              </a:rPr>
-              <a:t>Good</a:t>
-            </a:r>
-            <a:r>
-              <a:rPr lang="de-DE" dirty="0">
-                <a:sym typeface="Wingdings" panose="05000000000000000000" pitchFamily="2" charset="2"/>
-              </a:rPr>
-              <a:t> </a:t>
-            </a:r>
-            <a:r>
-              <a:rPr lang="de-DE" dirty="0" err="1">
-                <a:sym typeface="Wingdings" panose="05000000000000000000" pitchFamily="2" charset="2"/>
-              </a:rPr>
-              <a:t>practise</a:t>
-            </a:r>
-            <a:endParaRPr lang="de-DE" dirty="0">
-              <a:sym typeface="Wingdings" panose="05000000000000000000" pitchFamily="2" charset="2"/>
-            </a:endParaRPr>
+              <a:t>Spezifische Version  z.B. docker:26.1.3-dind</a:t>
+            </a:r>
           </a:p>
           <a:p>
             <a:pPr lvl="1">
@@ -7647,19 +7705,7 @@
               <a:rPr lang="de-DE" dirty="0">
                 <a:sym typeface="Wingdings" panose="05000000000000000000" pitchFamily="2" charset="2"/>
               </a:rPr>
-              <a:t>Spezifische Version  z.B. docker:26.1.3-dind</a:t>
-            </a:r>
-          </a:p>
-          <a:p>
-            <a:pPr lvl="1">
-              <a:buFont typeface="Arial" panose="020B0604020202020204" pitchFamily="34" charset="0"/>
-              <a:buChar char="•"/>
-            </a:pPr>
-            <a:r>
-              <a:rPr lang="de-DE" dirty="0">
-                <a:sym typeface="Wingdings" panose="05000000000000000000" pitchFamily="2" charset="2"/>
-              </a:rPr>
-              <a:t>--version nutzen  zuletzt funktionierende Version anzuzeigen</a:t>
+              <a:t>--version nutzen  zuletzt funktionierende Version anzeigen</a:t>
             </a:r>
             <a:endParaRPr lang="en-US" dirty="0"/>
           </a:p>
@@ -8301,7 +8347,7 @@
             </a:pPr>
             <a:r>
               <a:rPr lang="de-DE" u="sng" dirty="0"/>
-              <a:t>Tags eines bestimmten Container Image ansehen</a:t>
+              <a:t>Tags eines bestimmten Container Images ansehen</a:t>
             </a:r>
           </a:p>
           <a:p>
@@ -8476,7 +8522,7 @@
             </a:pPr>
             <a:r>
               <a:rPr lang="de-DE" b="1" dirty="0"/>
-              <a:t>Tags eines bestimmten Container Image ansehen</a:t>
+              <a:t>Tags eines bestimmten Container Images ansehen</a:t>
             </a:r>
           </a:p>
           <a:p>
@@ -8960,7 +9006,7 @@
             </a:pPr>
             <a:r>
               <a:rPr lang="de-DE" dirty="0"/>
-              <a:t>Tags eines bestimmten Container Image ansehen</a:t>
+              <a:t>Tags eines bestimmten Container Images ansehen</a:t>
             </a:r>
           </a:p>
           <a:p>
@@ -9270,7 +9316,7 @@
               <a:rPr lang="de-DE" dirty="0">
                 <a:sym typeface="Wingdings" panose="05000000000000000000" pitchFamily="2" charset="2"/>
               </a:rPr>
-              <a:t>“ mit dem kopierten Link ausführen</a:t>
+              <a:t>“ mit dem Link ausführen</a:t>
             </a:r>
           </a:p>
           <a:p>
@@ -9330,11 +9376,11 @@
               <a:rPr lang="nl-NL" dirty="0">
                 <a:latin typeface="Consolas" panose="020B0609020204030204" pitchFamily="49" charset="0"/>
               </a:rPr>
-              <a:t>docker ps –a </a:t>
+              <a:t>docker ps –a s</a:t>
             </a:r>
             <a:r>
               <a:rPr lang="nl-NL" dirty="0"/>
-              <a:t>Sollte nun einen weiteren Container anzeigen</a:t>
+              <a:t>ollte nun einen weiteren Container anzeigen</a:t>
             </a:r>
             <a:endParaRPr lang="de-DE" dirty="0">
               <a:latin typeface="Consolas" panose="020B0609020204030204" pitchFamily="49" charset="0"/>
@@ -9357,7 +9403,7 @@
           <p:nvPr/>
         </p:nvPicPr>
         <p:blipFill>
-          <a:blip r:embed="rId2"/>
+          <a:blip r:embed="rId3"/>
           <a:stretch>
             <a:fillRect/>
           </a:stretch>
@@ -9387,7 +9433,7 @@
           <p:nvPr/>
         </p:nvPicPr>
         <p:blipFill>
-          <a:blip r:embed="rId3">
+          <a:blip r:embed="rId4">
             <a:extLst>
               <a:ext uri="{28A0092B-C50C-407E-A947-70E740481C1C}">
                 <a14:useLocalDpi xmlns:a14="http://schemas.microsoft.com/office/drawing/2010/main" val="0"/>
@@ -9423,7 +9469,7 @@
           <p:nvPr/>
         </p:nvPicPr>
         <p:blipFill>
-          <a:blip r:embed="rId4">
+          <a:blip r:embed="rId5">
             <a:extLst>
               <a:ext uri="{28A0092B-C50C-407E-A947-70E740481C1C}">
                 <a14:useLocalDpi xmlns:a14="http://schemas.microsoft.com/office/drawing/2010/main" val="0"/>
@@ -9539,7 +9585,7 @@
             </a:pPr>
             <a:r>
               <a:rPr lang="de-DE" dirty="0"/>
-              <a:t>Tags eines bestimmten Container Image ansehen</a:t>
+              <a:t>Tags eines bestimmten Container Images ansehen</a:t>
             </a:r>
           </a:p>
           <a:p>
@@ -9688,9 +9734,48 @@
             </a:pPr>
             <a:r>
               <a:rPr lang="en-US" sz="2000" dirty="0">
+                <a:solidFill>
+                  <a:srgbClr val="FF0000"/>
+                </a:solidFill>
                 <a:latin typeface="Consolas" panose="020B0609020204030204" pitchFamily="49" charset="0"/>
               </a:rPr>
-              <a:t>&lt;registry server&gt;/&lt;namespace&gt;/&lt;project&gt;[/&lt;optional path&gt;]</a:t>
+              <a:t>&lt;registry server&gt;</a:t>
+            </a:r>
+            <a:r>
+              <a:rPr lang="en-US" sz="2000" dirty="0">
+                <a:latin typeface="Consolas" panose="020B0609020204030204" pitchFamily="49" charset="0"/>
+              </a:rPr>
+              <a:t>/</a:t>
+            </a:r>
+            <a:r>
+              <a:rPr lang="en-US" sz="2000" dirty="0">
+                <a:solidFill>
+                  <a:srgbClr val="002060"/>
+                </a:solidFill>
+                <a:latin typeface="Consolas" panose="020B0609020204030204" pitchFamily="49" charset="0"/>
+              </a:rPr>
+              <a:t>&lt;namespace&gt;</a:t>
+            </a:r>
+            <a:r>
+              <a:rPr lang="en-US" sz="2000" dirty="0">
+                <a:latin typeface="Consolas" panose="020B0609020204030204" pitchFamily="49" charset="0"/>
+              </a:rPr>
+              <a:t>/</a:t>
+            </a:r>
+            <a:r>
+              <a:rPr lang="en-US" sz="2000" dirty="0">
+                <a:solidFill>
+                  <a:srgbClr val="037C03"/>
+                </a:solidFill>
+                <a:latin typeface="Consolas" panose="020B0609020204030204" pitchFamily="49" charset="0"/>
+              </a:rPr>
+              <a:t>&lt;project&gt;</a:t>
+            </a:r>
+            <a:r>
+              <a:rPr lang="en-US" sz="2000" dirty="0">
+                <a:latin typeface="Consolas" panose="020B0609020204030204" pitchFamily="49" charset="0"/>
+              </a:rPr>
+              <a:t>[/&lt;optional path&gt;]</a:t>
             </a:r>
           </a:p>
           <a:p>
@@ -9698,6 +9783,16 @@
               <a:buFont typeface="Arial" panose="020B0604020202020204" pitchFamily="34" charset="0"/>
               <a:buChar char="•"/>
             </a:pPr>
+            <a:r>
+              <a:rPr lang="de-DE" b="0" i="0" dirty="0">
+                <a:solidFill>
+                  <a:srgbClr val="FF0000"/>
+                </a:solidFill>
+                <a:effectLst/>
+                <a:latin typeface="GitLab Mono"/>
+              </a:rPr>
+              <a:t>gitlab.example.com</a:t>
+            </a:r>
             <a:r>
               <a:rPr lang="de-DE" b="0" i="0" dirty="0">
                 <a:solidFill>
@@ -9706,12 +9801,12 @@
                 <a:effectLst/>
                 <a:latin typeface="GitLab Mono"/>
               </a:rPr>
-              <a:t>gitlab.example.com/</a:t>
+              <a:t>/</a:t>
             </a:r>
             <a:r>
               <a:rPr lang="de-DE" b="0" i="0" dirty="0" err="1">
                 <a:solidFill>
-                  <a:srgbClr val="404040"/>
+                  <a:srgbClr val="002060"/>
                 </a:solidFill>
                 <a:effectLst/>
                 <a:latin typeface="GitLab Mono"/>
@@ -9731,7 +9826,7 @@
             <a:r>
               <a:rPr lang="de-DE" b="0" i="0" dirty="0" err="1">
                 <a:solidFill>
-                  <a:srgbClr val="404040"/>
+                  <a:srgbClr val="037C03"/>
                 </a:solidFill>
                 <a:effectLst/>
                 <a:latin typeface="GitLab Mono"/>
@@ -9739,6 +9834,9 @@
               <a:t>myproject</a:t>
             </a:r>
             <a:endParaRPr lang="en-US" dirty="0">
+              <a:solidFill>
+                <a:srgbClr val="037C03"/>
+              </a:solidFill>
               <a:latin typeface="Consolas" panose="020B0609020204030204" pitchFamily="49" charset="0"/>
             </a:endParaRPr>
           </a:p>
@@ -9758,17 +9856,12 @@
             </a:pPr>
             <a:r>
               <a:rPr lang="en-US" dirty="0"/>
-              <a:t>Project</a:t>
-            </a:r>
-            <a:r>
-              <a:rPr lang="en-US"/>
-              <a:t>: </a:t>
-            </a:r>
-            <a:r>
-              <a:rPr lang="nl-NL"/>
+              <a:t>Project: </a:t>
+            </a:r>
+            <a:r>
+              <a:rPr lang="nl-NL" dirty="0"/>
               <a:t>gitlab</a:t>
             </a:r>
-            <a:endParaRPr lang="nl-NL" dirty="0"/>
           </a:p>
           <a:p>
             <a:pPr>
@@ -9795,7 +9888,7 @@
               <a:rPr lang="nl-NL" dirty="0">
                 <a:sym typeface="Wingdings" panose="05000000000000000000" pitchFamily="2" charset="2"/>
               </a:rPr>
-              <a:t>Zusätzliche Namen ans Ende des Images sind erlaubt</a:t>
+              <a:t>Zusätzliche Pfade am Ende eines Images erlaubt</a:t>
             </a:r>
           </a:p>
           <a:p>
@@ -9809,6 +9902,15 @@
               </a:rPr>
               <a:t>Aber: nur bis zu zwei Ebenen tief!</a:t>
             </a:r>
+          </a:p>
+          <a:p>
+            <a:pPr lvl="1">
+              <a:buFont typeface="Arial" panose="020B0604020202020204" pitchFamily="34" charset="0"/>
+              <a:buChar char="•"/>
+            </a:pPr>
+            <a:endParaRPr lang="nl-NL" sz="1800" dirty="0">
+              <a:sym typeface="Wingdings" panose="05000000000000000000" pitchFamily="2" charset="2"/>
+            </a:endParaRPr>
           </a:p>
           <a:p>
             <a:pPr>
@@ -9963,7 +10065,7 @@
             </a:pPr>
             <a:r>
               <a:rPr lang="de-DE" dirty="0"/>
-              <a:t>Tags eines bestimmten Container Image ansehen</a:t>
+              <a:t>Tags eines bestimmten Container Images ansehen</a:t>
             </a:r>
           </a:p>
           <a:p>
@@ -10120,7 +10222,7 @@
             </a:r>
             <a:r>
               <a:rPr lang="de-DE" dirty="0"/>
-              <a:t> zugehörigen Projekt</a:t>
+              <a:t> zugehörigem Projekt</a:t>
             </a:r>
           </a:p>
           <a:p>
@@ -10132,13 +10234,7 @@
               <a:rPr lang="de-DE" dirty="0">
                 <a:sym typeface="Wingdings" panose="05000000000000000000" pitchFamily="2" charset="2"/>
               </a:rPr>
-              <a:t> Projekt verschieben oder </a:t>
-            </a:r>
-            <a:r>
-              <a:rPr lang="de-DE" dirty="0" err="1">
-                <a:sym typeface="Wingdings" panose="05000000000000000000" pitchFamily="2" charset="2"/>
-              </a:rPr>
-              <a:t>umbennen</a:t>
+              <a:t> Projekt verschieben oder umbenennen</a:t>
             </a:r>
             <a:endParaRPr lang="de-DE" dirty="0"/>
           </a:p>
@@ -10149,7 +10245,7 @@
             </a:pPr>
             <a:r>
               <a:rPr lang="de-DE" dirty="0"/>
-              <a:t>GitLab.com gehosteten Instanzen unterstützt</a:t>
+              <a:t>Von GitLab.com gehosteten Instanzen unterstützt</a:t>
             </a:r>
           </a:p>
           <a:p>
@@ -10736,7 +10832,7 @@
             </a:pPr>
             <a:r>
               <a:rPr lang="de-DE" dirty="0"/>
-              <a:t>Tags eines bestimmten Container Image ansehen</a:t>
+              <a:t>Tags eines bestimmten Container Images ansehen</a:t>
             </a:r>
           </a:p>
           <a:p>
@@ -11397,7 +11493,7 @@
             </a:pPr>
             <a:r>
               <a:rPr lang="de-DE" dirty="0"/>
-              <a:t>Default: Für jeden Sichtbar mit Zugriff aufs Projekt</a:t>
+              <a:t>Default: Für jeden sichtbar mit Zugriff aufs Projekt</a:t>
             </a:r>
           </a:p>
           <a:p>
@@ -11538,7 +11634,7 @@
             </a:pPr>
             <a:r>
               <a:rPr lang="de-DE" sz="1800" dirty="0"/>
-              <a:t>Container Registry hat das Sichtbarkeitslevel des Projekts!</a:t>
+              <a:t>Container Registry hat das Sichtbarkeitslevel des Projektes!</a:t>
             </a:r>
           </a:p>
           <a:p>
@@ -11754,7 +11850,7 @@
             </a:pPr>
             <a:r>
               <a:rPr lang="de-DE" dirty="0"/>
-              <a:t>Docker V2</a:t>
+              <a:t>Docker v2</a:t>
             </a:r>
           </a:p>
           <a:p>
@@ -11774,7 +11870,7 @@
             </a:pPr>
             <a:r>
               <a:rPr lang="de-DE" dirty="0"/>
-              <a:t>Container Registry entspricht OCI-</a:t>
+              <a:t>Container Registry entspricht OCI </a:t>
             </a:r>
             <a:r>
               <a:rPr lang="de-DE" dirty="0" err="1"/>
@@ -12651,7 +12747,7 @@
               <a:rPr lang="de-DE" sz="1200" dirty="0">
                 <a:latin typeface="Arial" charset="0"/>
               </a:rPr>
-              <a:t>Statisch, Persistiert Container Image</a:t>
+              <a:t>Statisch, persistiert Container Image</a:t>
             </a:r>
           </a:p>
         </p:txBody>
@@ -13775,7 +13871,7 @@
               <a:rPr lang="de-DE" sz="1200" dirty="0">
                 <a:latin typeface="Arial" charset="0"/>
               </a:rPr>
-              <a:t>Statisch, Persistiert Container Image</a:t>
+              <a:t>Statisch, persistiert Container Image</a:t>
             </a:r>
           </a:p>
         </p:txBody>
@@ -14431,7 +14527,7 @@
             </a:pPr>
             <a:r>
               <a:rPr lang="de-DE" dirty="0" err="1"/>
-              <a:t>Dockerhub</a:t>
+              <a:t>DockerHub</a:t>
             </a:r>
             <a:endParaRPr lang="de-DE" dirty="0"/>
           </a:p>
@@ -14442,7 +14538,7 @@
             </a:pPr>
             <a:r>
               <a:rPr lang="de-DE" dirty="0"/>
-              <a:t>öffentliche Registry</a:t>
+              <a:t>Bekannteste, öffentliche Registry</a:t>
             </a:r>
           </a:p>
           <a:p>
@@ -14484,7 +14580,7 @@
             </a:pPr>
             <a:r>
               <a:rPr lang="de-DE" dirty="0"/>
-              <a:t>Speichert Docker-Anwendungen</a:t>
+              <a:t>Speichert Docker Images</a:t>
             </a:r>
           </a:p>
           <a:p>
@@ -14494,7 +14590,7 @@
             </a:pPr>
             <a:r>
               <a:rPr lang="de-DE" dirty="0"/>
-              <a:t>Eigenes Docker Image innerhalb </a:t>
+              <a:t>Verwendung eigener Docker Images für </a:t>
             </a:r>
             <a:r>
               <a:rPr lang="de-DE" dirty="0" err="1"/>
@@ -14502,7 +14598,7 @@
             </a:r>
             <a:r>
               <a:rPr lang="de-DE" dirty="0"/>
-              <a:t> CI Pipeline verwenden</a:t>
+              <a:t> CI Pipeline möglich</a:t>
             </a:r>
           </a:p>
           <a:p>
@@ -14565,11 +14661,19 @@
             </a:pPr>
             <a:r>
               <a:rPr lang="de-DE" dirty="0"/>
-              <a:t>Falls Images von Docker Hub</a:t>
-            </a:r>
-          </a:p>
-          <a:p>
-            <a:pPr lvl="2">
+              <a:t>Caching von </a:t>
+            </a:r>
+            <a:r>
+              <a:rPr lang="de-DE" dirty="0" err="1"/>
+              <a:t>DockerHub</a:t>
+            </a:r>
+            <a:r>
+              <a:rPr lang="de-DE" dirty="0"/>
+              <a:t> Images</a:t>
+            </a:r>
+          </a:p>
+          <a:p>
+            <a:pPr lvl="1">
               <a:buFont typeface="Arial" panose="020B0604020202020204" pitchFamily="34" charset="0"/>
               <a:buChar char="•"/>
             </a:pPr>
@@ -14583,13 +14687,8 @@
             </a:r>
             <a:r>
               <a:rPr lang="de-DE" sz="1800" dirty="0"/>
-              <a:t>“ und </a:t>
-            </a:r>
-            <a:r>
-              <a:rPr lang="de-DE" sz="1800"/>
-              <a:t>beschleunigt Pipelines</a:t>
-            </a:r>
-            <a:endParaRPr lang="de-DE" sz="1800" dirty="0"/>
+              <a:t>“ und beschleunigt Pipelines</a:t>
+            </a:r>
           </a:p>
           <a:p>
             <a:pPr>
